--- a/Project 4 - Descriptions/Project 4 - Descriptions.pptx
+++ b/Project 4 - Descriptions/Project 4 - Descriptions.pptx
@@ -1,17 +1,20 @@
 
 <file path=ppt/presentation.xml><?xml version="1.0" encoding="utf-8"?>
-<p:presentation xmlns:a="http://schemas.openxmlformats.org/drawingml/2006/main" xmlns:r="http://schemas.openxmlformats.org/officeDocument/2006/relationships" xmlns:p="http://schemas.openxmlformats.org/presentationml/2006/main" saveSubsetFonts="1">
+<p:presentation xmlns:a="http://schemas.openxmlformats.org/drawingml/2006/main" xmlns:r="http://schemas.openxmlformats.org/officeDocument/2006/relationships" xmlns:p="http://schemas.openxmlformats.org/presentationml/2006/main">
   <p:sldMasterIdLst>
-    <p:sldMasterId id="2147483839" r:id="rId1"/>
+    <p:sldMasterId id="2147483648" r:id="rId1"/>
   </p:sldMasterIdLst>
   <p:sldIdLst>
-    <p:sldId id="256" r:id="rId2"/>
-    <p:sldId id="257" r:id="rId3"/>
-    <p:sldId id="269" r:id="rId4"/>
-    <p:sldId id="262" r:id="rId5"/>
-    <p:sldId id="259" r:id="rId6"/>
-    <p:sldId id="260" r:id="rId7"/>
-    <p:sldId id="261" r:id="rId8"/>
+    <p:sldId id="256" r:id="rId3"/>
+    <p:sldId id="257" r:id="rId4"/>
+    <p:sldId id="269" r:id="rId5"/>
+    <p:sldId id="270" r:id="rId6"/>
+    <p:sldId id="271" r:id="rId7"/>
+    <p:sldId id="262" r:id="rId8"/>
+    <p:sldId id="259" r:id="rId9"/>
+    <p:sldId id="260" r:id="rId10"/>
+    <p:sldId id="261" r:id="rId11"/>
+    <p:sldId id="276" r:id="rId12"/>
   </p:sldIdLst>
   <p:sldSz cx="12192000" cy="6858000"/>
   <p:notesSz cx="6858000" cy="9144000"/>
@@ -110,16 +113,11 @@
       </a:defRPr>
     </a:lvl9pPr>
   </p:defaultTextStyle>
-  <p:extLst>
-    <p:ext uri="{EFAFB233-063F-42B5-8137-9DF3F51BA10A}">
-      <p15:sldGuideLst xmlns:p15="http://schemas.microsoft.com/office/powerpoint/2012/main"/>
-    </p:ext>
-  </p:extLst>
 </p:presentation>
 </file>
 
 <file path=ppt/slideLayouts/slideLayout1.xml><?xml version="1.0" encoding="utf-8"?>
-<p:sldLayout xmlns:a="http://schemas.openxmlformats.org/drawingml/2006/main" xmlns:r="http://schemas.openxmlformats.org/officeDocument/2006/relationships" xmlns:p="http://schemas.openxmlformats.org/presentationml/2006/main" showMasterSp="0" type="title" preserve="1">
+<p:sldLayout xmlns:a="http://schemas.openxmlformats.org/drawingml/2006/main" xmlns:r="http://schemas.openxmlformats.org/officeDocument/2006/relationships" xmlns:p="http://schemas.openxmlformats.org/presentationml/2006/main" type="title" preserve="1" showMasterSp="0">
   <p:cSld name="Title Slide">
     <p:spTree>
       <p:nvGrpSpPr>
@@ -453,7 +451,6 @@
           <a:p>
             <a:fld id="{F4D57BDD-E64A-4D27-8978-82FFCA18A12C}" type="datetimeFigureOut">
               <a:rPr lang="en-US" smtClean="0"/>
-              <a:t>1/3/2023</a:t>
             </a:fld>
             <a:endParaRPr lang="en-US"/>
           </a:p>
@@ -551,18 +548,12 @@
           <a:p>
             <a:fld id="{D643A852-0206-46AC-B0EB-645612933129}" type="slidenum">
               <a:rPr lang="en-US" smtClean="0"/>
-              <a:t>‹#›</a:t>
             </a:fld>
             <a:endParaRPr lang="en-US" dirty="0"/>
           </a:p>
         </p:txBody>
       </p:sp>
     </p:spTree>
-    <p:extLst>
-      <p:ext uri="{BB962C8B-B14F-4D97-AF65-F5344CB8AC3E}">
-        <p14:creationId xmlns:p14="http://schemas.microsoft.com/office/powerpoint/2010/main" val="1211746519"/>
-      </p:ext>
-    </p:extLst>
   </p:cSld>
   <p:clrMapOvr>
     <a:masterClrMapping/>
@@ -1521,6 +1512,7 @@
               <a:rPr lang="en-US"/>
               <a:t>Click to edit Master text styles</a:t>
             </a:r>
+            <a:endParaRPr lang="en-US"/>
           </a:p>
         </p:txBody>
       </p:sp>
@@ -1541,8 +1533,6 @@
           <a:p>
             <a:fld id="{F4D57BDD-E64A-4D27-8978-82FFCA18A12C}" type="datetimeFigureOut">
               <a:rPr lang="en-US" smtClean="0"/>
-              <a:pPr/>
-              <a:t>1/3/2023</a:t>
             </a:fld>
             <a:endParaRPr lang="en-US" dirty="0"/>
           </a:p>
@@ -1620,19 +1610,12 @@
           <a:p>
             <a:fld id="{D643A852-0206-46AC-B0EB-645612933129}" type="slidenum">
               <a:rPr lang="en-US" smtClean="0"/>
-              <a:pPr/>
-              <a:t>‹#›</a:t>
             </a:fld>
             <a:endParaRPr lang="en-US" dirty="0"/>
           </a:p>
         </p:txBody>
       </p:sp>
     </p:spTree>
-    <p:extLst>
-      <p:ext uri="{BB962C8B-B14F-4D97-AF65-F5344CB8AC3E}">
-        <p14:creationId xmlns:p14="http://schemas.microsoft.com/office/powerpoint/2010/main" val="3301555004"/>
-      </p:ext>
-    </p:extLst>
   </p:cSld>
   <p:clrMapOvr>
     <a:masterClrMapping/>
@@ -1641,7 +1624,7 @@
 </file>
 
 <file path=ppt/slideLayouts/slideLayout11.xml><?xml version="1.0" encoding="utf-8"?>
-<p:sldLayout xmlns:a="http://schemas.openxmlformats.org/drawingml/2006/main" xmlns:r="http://schemas.openxmlformats.org/officeDocument/2006/relationships" xmlns:p="http://schemas.openxmlformats.org/presentationml/2006/main" showMasterSp="0" preserve="1">
+<p:sldLayout xmlns:a="http://schemas.openxmlformats.org/drawingml/2006/main" xmlns:r="http://schemas.openxmlformats.org/officeDocument/2006/relationships" xmlns:p="http://schemas.openxmlformats.org/presentationml/2006/main" preserve="1" showMasterSp="0">
   <p:cSld name="Title and Caption">
     <p:spTree>
       <p:nvGrpSpPr>
@@ -2503,6 +2486,7 @@
               <a:rPr lang="en-US"/>
               <a:t>Click to edit Master text styles</a:t>
             </a:r>
+            <a:endParaRPr lang="en-US"/>
           </a:p>
         </p:txBody>
       </p:sp>
@@ -2523,8 +2507,6 @@
           <a:p>
             <a:fld id="{F4D57BDD-E64A-4D27-8978-82FFCA18A12C}" type="datetimeFigureOut">
               <a:rPr lang="en-US" smtClean="0"/>
-              <a:pPr/>
-              <a:t>1/3/2023</a:t>
             </a:fld>
             <a:endParaRPr lang="en-US" dirty="0"/>
           </a:p>
@@ -2602,19 +2584,12 @@
           <a:p>
             <a:fld id="{D643A852-0206-46AC-B0EB-645612933129}" type="slidenum">
               <a:rPr lang="en-US" smtClean="0"/>
-              <a:pPr/>
-              <a:t>‹#›</a:t>
             </a:fld>
             <a:endParaRPr lang="en-US" dirty="0"/>
           </a:p>
         </p:txBody>
       </p:sp>
     </p:spTree>
-    <p:extLst>
-      <p:ext uri="{BB962C8B-B14F-4D97-AF65-F5344CB8AC3E}">
-        <p14:creationId xmlns:p14="http://schemas.microsoft.com/office/powerpoint/2010/main" val="2926866455"/>
-      </p:ext>
-    </p:extLst>
   </p:cSld>
   <p:clrMapOvr>
     <a:masterClrMapping/>
@@ -2623,7 +2598,7 @@
 </file>
 
 <file path=ppt/slideLayouts/slideLayout12.xml><?xml version="1.0" encoding="utf-8"?>
-<p:sldLayout xmlns:a="http://schemas.openxmlformats.org/drawingml/2006/main" xmlns:r="http://schemas.openxmlformats.org/officeDocument/2006/relationships" xmlns:p="http://schemas.openxmlformats.org/presentationml/2006/main" showMasterSp="0" preserve="1">
+<p:sldLayout xmlns:a="http://schemas.openxmlformats.org/drawingml/2006/main" xmlns:r="http://schemas.openxmlformats.org/officeDocument/2006/relationships" xmlns:p="http://schemas.openxmlformats.org/presentationml/2006/main" preserve="1" showMasterSp="0">
   <p:cSld name="Quote with Caption">
     <p:spTree>
       <p:nvGrpSpPr>
@@ -3420,11 +3395,21 @@
                     <a:lumOff val="40000"/>
                   </a:schemeClr>
                 </a:solidFill>
-                <a:latin typeface="Arial"/>
-                <a:cs typeface="Arial"/>
+                <a:latin typeface="Arial" panose="020B0604020202020204"/>
+                <a:cs typeface="Arial" panose="020B0604020202020204"/>
               </a:rPr>
               <a:t>“</a:t>
             </a:r>
+            <a:endParaRPr lang="en-US" sz="9600" b="0" i="0" dirty="0">
+              <a:solidFill>
+                <a:schemeClr val="accent1">
+                  <a:lumMod val="60000"/>
+                  <a:lumOff val="40000"/>
+                </a:schemeClr>
+              </a:solidFill>
+              <a:latin typeface="Arial" panose="020B0604020202020204"/>
+              <a:cs typeface="Arial" panose="020B0604020202020204"/>
+            </a:endParaRPr>
           </a:p>
         </p:txBody>
       </p:sp>
@@ -3459,11 +3444,21 @@
                     <a:lumOff val="40000"/>
                   </a:schemeClr>
                 </a:solidFill>
-                <a:latin typeface="Arial"/>
-                <a:cs typeface="Arial"/>
+                <a:latin typeface="Arial" panose="020B0604020202020204"/>
+                <a:cs typeface="Arial" panose="020B0604020202020204"/>
               </a:rPr>
               <a:t>”</a:t>
             </a:r>
+            <a:endParaRPr lang="en-US" sz="9600" b="0" i="0" dirty="0">
+              <a:solidFill>
+                <a:schemeClr val="accent1">
+                  <a:lumMod val="60000"/>
+                  <a:lumOff val="40000"/>
+                </a:schemeClr>
+              </a:solidFill>
+              <a:latin typeface="Arial" panose="020B0604020202020204"/>
+              <a:cs typeface="Arial" panose="020B0604020202020204"/>
+            </a:endParaRPr>
           </a:p>
         </p:txBody>
       </p:sp>
@@ -3572,6 +3567,7 @@
               <a:rPr lang="en-US"/>
               <a:t>Click to edit Master text styles</a:t>
             </a:r>
+            <a:endParaRPr lang="en-US"/>
           </a:p>
         </p:txBody>
       </p:sp>
@@ -3639,6 +3635,7 @@
               <a:rPr lang="en-US"/>
               <a:t>Click to edit Master text styles</a:t>
             </a:r>
+            <a:endParaRPr lang="en-US"/>
           </a:p>
         </p:txBody>
       </p:sp>
@@ -3659,8 +3656,6 @@
           <a:p>
             <a:fld id="{F4D57BDD-E64A-4D27-8978-82FFCA18A12C}" type="datetimeFigureOut">
               <a:rPr lang="en-US" smtClean="0"/>
-              <a:pPr/>
-              <a:t>1/3/2023</a:t>
             </a:fld>
             <a:endParaRPr lang="en-US" dirty="0"/>
           </a:p>
@@ -3738,19 +3733,12 @@
           <a:p>
             <a:fld id="{D643A852-0206-46AC-B0EB-645612933129}" type="slidenum">
               <a:rPr lang="en-US" smtClean="0"/>
-              <a:pPr/>
-              <a:t>‹#›</a:t>
             </a:fld>
             <a:endParaRPr lang="en-US" dirty="0"/>
           </a:p>
         </p:txBody>
       </p:sp>
     </p:spTree>
-    <p:extLst>
-      <p:ext uri="{BB962C8B-B14F-4D97-AF65-F5344CB8AC3E}">
-        <p14:creationId xmlns:p14="http://schemas.microsoft.com/office/powerpoint/2010/main" val="1625068054"/>
-      </p:ext>
-    </p:extLst>
   </p:cSld>
   <p:clrMapOvr>
     <a:masterClrMapping/>
@@ -3759,7 +3747,7 @@
 </file>
 
 <file path=ppt/slideLayouts/slideLayout13.xml><?xml version="1.0" encoding="utf-8"?>
-<p:sldLayout xmlns:a="http://schemas.openxmlformats.org/drawingml/2006/main" xmlns:r="http://schemas.openxmlformats.org/officeDocument/2006/relationships" xmlns:p="http://schemas.openxmlformats.org/presentationml/2006/main" showMasterSp="0" preserve="1">
+<p:sldLayout xmlns:a="http://schemas.openxmlformats.org/drawingml/2006/main" xmlns:r="http://schemas.openxmlformats.org/officeDocument/2006/relationships" xmlns:p="http://schemas.openxmlformats.org/presentationml/2006/main" preserve="1" showMasterSp="0">
   <p:cSld name="Name Card">
     <p:spTree>
       <p:nvGrpSpPr>
@@ -4674,6 +4662,7 @@
               <a:rPr lang="en-US"/>
               <a:t>Click to edit Master text styles</a:t>
             </a:r>
+            <a:endParaRPr lang="en-US"/>
           </a:p>
         </p:txBody>
       </p:sp>
@@ -4694,8 +4683,6 @@
           <a:p>
             <a:fld id="{F4D57BDD-E64A-4D27-8978-82FFCA18A12C}" type="datetimeFigureOut">
               <a:rPr lang="en-US" smtClean="0"/>
-              <a:pPr/>
-              <a:t>1/3/2023</a:t>
             </a:fld>
             <a:endParaRPr lang="en-US" dirty="0"/>
           </a:p>
@@ -4773,19 +4760,12 @@
           <a:p>
             <a:fld id="{D643A852-0206-46AC-B0EB-645612933129}" type="slidenum">
               <a:rPr lang="en-US" smtClean="0"/>
-              <a:pPr/>
-              <a:t>‹#›</a:t>
             </a:fld>
             <a:endParaRPr lang="en-US" dirty="0"/>
           </a:p>
         </p:txBody>
       </p:sp>
     </p:spTree>
-    <p:extLst>
-      <p:ext uri="{BB962C8B-B14F-4D97-AF65-F5344CB8AC3E}">
-        <p14:creationId xmlns:p14="http://schemas.microsoft.com/office/powerpoint/2010/main" val="763503484"/>
-      </p:ext>
-    </p:extLst>
   </p:cSld>
   <p:clrMapOvr>
     <a:masterClrMapping/>
@@ -4913,6 +4893,7 @@
               <a:rPr lang="en-US"/>
               <a:t>Click to edit Master text styles</a:t>
             </a:r>
+            <a:endParaRPr lang="en-US"/>
           </a:p>
         </p:txBody>
       </p:sp>
@@ -4980,6 +4961,7 @@
               <a:rPr lang="en-US"/>
               <a:t>Click to edit Master text styles</a:t>
             </a:r>
+            <a:endParaRPr lang="en-US"/>
           </a:p>
         </p:txBody>
       </p:sp>
@@ -5054,6 +5036,7 @@
               <a:rPr lang="en-US"/>
               <a:t>Click to edit Master text styles</a:t>
             </a:r>
+            <a:endParaRPr lang="en-US"/>
           </a:p>
         </p:txBody>
       </p:sp>
@@ -5121,6 +5104,7 @@
               <a:rPr lang="en-US"/>
               <a:t>Click to edit Master text styles</a:t>
             </a:r>
+            <a:endParaRPr lang="en-US"/>
           </a:p>
         </p:txBody>
       </p:sp>
@@ -5195,6 +5179,7 @@
               <a:rPr lang="en-US"/>
               <a:t>Click to edit Master text styles</a:t>
             </a:r>
+            <a:endParaRPr lang="en-US"/>
           </a:p>
         </p:txBody>
       </p:sp>
@@ -5262,6 +5247,7 @@
               <a:rPr lang="en-US"/>
               <a:t>Click to edit Master text styles</a:t>
             </a:r>
+            <a:endParaRPr lang="en-US"/>
           </a:p>
         </p:txBody>
       </p:sp>
@@ -5356,8 +5342,6 @@
           <a:p>
             <a:fld id="{F4D57BDD-E64A-4D27-8978-82FFCA18A12C}" type="datetimeFigureOut">
               <a:rPr lang="en-US" smtClean="0"/>
-              <a:pPr/>
-              <a:t>1/3/2023</a:t>
             </a:fld>
             <a:endParaRPr lang="en-US" dirty="0"/>
           </a:p>
@@ -5399,19 +5383,12 @@
           <a:p>
             <a:fld id="{D643A852-0206-46AC-B0EB-645612933129}" type="slidenum">
               <a:rPr lang="en-US" smtClean="0"/>
-              <a:pPr/>
-              <a:t>‹#›</a:t>
             </a:fld>
             <a:endParaRPr lang="en-US" dirty="0"/>
           </a:p>
         </p:txBody>
       </p:sp>
     </p:spTree>
-    <p:extLst>
-      <p:ext uri="{BB962C8B-B14F-4D97-AF65-F5344CB8AC3E}">
-        <p14:creationId xmlns:p14="http://schemas.microsoft.com/office/powerpoint/2010/main" val="4192735116"/>
-      </p:ext>
-    </p:extLst>
   </p:cSld>
   <p:clrMapOvr>
     <a:masterClrMapping/>
@@ -5539,6 +5516,7 @@
               <a:rPr lang="en-US"/>
               <a:t>Click to edit Master text styles</a:t>
             </a:r>
+            <a:endParaRPr lang="en-US"/>
           </a:p>
         </p:txBody>
       </p:sp>
@@ -5685,6 +5663,7 @@
               <a:rPr lang="en-US"/>
               <a:t>Click to edit Master text styles</a:t>
             </a:r>
+            <a:endParaRPr lang="en-US"/>
           </a:p>
         </p:txBody>
       </p:sp>
@@ -5759,6 +5738,7 @@
               <a:rPr lang="en-US"/>
               <a:t>Click to edit Master text styles</a:t>
             </a:r>
+            <a:endParaRPr lang="en-US"/>
           </a:p>
         </p:txBody>
       </p:sp>
@@ -5905,6 +5885,7 @@
               <a:rPr lang="en-US"/>
               <a:t>Click to edit Master text styles</a:t>
             </a:r>
+            <a:endParaRPr lang="en-US"/>
           </a:p>
         </p:txBody>
       </p:sp>
@@ -5979,6 +5960,7 @@
               <a:rPr lang="en-US"/>
               <a:t>Click to edit Master text styles</a:t>
             </a:r>
+            <a:endParaRPr lang="en-US"/>
           </a:p>
         </p:txBody>
       </p:sp>
@@ -6125,6 +6107,7 @@
               <a:rPr lang="en-US"/>
               <a:t>Click to edit Master text styles</a:t>
             </a:r>
+            <a:endParaRPr lang="en-US"/>
           </a:p>
         </p:txBody>
       </p:sp>
@@ -6219,8 +6202,6 @@
           <a:p>
             <a:fld id="{F4D57BDD-E64A-4D27-8978-82FFCA18A12C}" type="datetimeFigureOut">
               <a:rPr lang="en-US" smtClean="0"/>
-              <a:pPr/>
-              <a:t>1/3/2023</a:t>
             </a:fld>
             <a:endParaRPr lang="en-US" dirty="0"/>
           </a:p>
@@ -6267,19 +6248,12 @@
           <a:p>
             <a:fld id="{D643A852-0206-46AC-B0EB-645612933129}" type="slidenum">
               <a:rPr lang="en-US" smtClean="0"/>
-              <a:pPr/>
-              <a:t>‹#›</a:t>
             </a:fld>
             <a:endParaRPr lang="en-US" dirty="0"/>
           </a:p>
         </p:txBody>
       </p:sp>
     </p:spTree>
-    <p:extLst>
-      <p:ext uri="{BB962C8B-B14F-4D97-AF65-F5344CB8AC3E}">
-        <p14:creationId xmlns:p14="http://schemas.microsoft.com/office/powerpoint/2010/main" val="436857353"/>
-      </p:ext>
-    </p:extLst>
   </p:cSld>
   <p:clrMapOvr>
     <a:masterClrMapping/>
@@ -6357,6 +6331,7 @@
               <a:rPr lang="en-US"/>
               <a:t>Click to edit Master text styles</a:t>
             </a:r>
+            <a:endParaRPr lang="en-US"/>
           </a:p>
           <a:p>
             <a:pPr lvl="1"/>
@@ -6364,6 +6339,7 @@
               <a:rPr lang="en-US"/>
               <a:t>Second level</a:t>
             </a:r>
+            <a:endParaRPr lang="en-US"/>
           </a:p>
           <a:p>
             <a:pPr lvl="2"/>
@@ -6371,6 +6347,7 @@
               <a:rPr lang="en-US"/>
               <a:t>Third level</a:t>
             </a:r>
+            <a:endParaRPr lang="en-US"/>
           </a:p>
           <a:p>
             <a:pPr lvl="3"/>
@@ -6378,6 +6355,7 @@
               <a:rPr lang="en-US"/>
               <a:t>Fourth level</a:t>
             </a:r>
+            <a:endParaRPr lang="en-US"/>
           </a:p>
           <a:p>
             <a:pPr lvl="4"/>
@@ -6411,7 +6389,6 @@
           <a:p>
             <a:fld id="{F4D57BDD-E64A-4D27-8978-82FFCA18A12C}" type="datetimeFigureOut">
               <a:rPr lang="en-US" smtClean="0"/>
-              <a:t>1/3/2023</a:t>
             </a:fld>
             <a:endParaRPr lang="en-US"/>
           </a:p>
@@ -6453,18 +6430,12 @@
           <a:p>
             <a:fld id="{D643A852-0206-46AC-B0EB-645612933129}" type="slidenum">
               <a:rPr lang="en-US" smtClean="0"/>
-              <a:t>‹#›</a:t>
             </a:fld>
             <a:endParaRPr lang="en-US"/>
           </a:p>
         </p:txBody>
       </p:sp>
     </p:spTree>
-    <p:extLst>
-      <p:ext uri="{BB962C8B-B14F-4D97-AF65-F5344CB8AC3E}">
-        <p14:creationId xmlns:p14="http://schemas.microsoft.com/office/powerpoint/2010/main" val="3789814161"/>
-      </p:ext>
-    </p:extLst>
   </p:cSld>
   <p:clrMapOvr>
     <a:masterClrMapping/>
@@ -6473,7 +6444,7 @@
 </file>
 
 <file path=ppt/slideLayouts/slideLayout17.xml><?xml version="1.0" encoding="utf-8"?>
-<p:sldLayout xmlns:a="http://schemas.openxmlformats.org/drawingml/2006/main" xmlns:r="http://schemas.openxmlformats.org/officeDocument/2006/relationships" xmlns:p="http://schemas.openxmlformats.org/presentationml/2006/main" showMasterSp="0" type="vertTitleAndTx" preserve="1">
+<p:sldLayout xmlns:a="http://schemas.openxmlformats.org/drawingml/2006/main" xmlns:r="http://schemas.openxmlformats.org/officeDocument/2006/relationships" xmlns:p="http://schemas.openxmlformats.org/presentationml/2006/main" type="vertTitleAndTx" preserve="1" showMasterSp="0">
   <p:cSld name="Vertical Title and Text">
     <p:spTree>
       <p:nvGrpSpPr>
@@ -7329,6 +7300,7 @@
               <a:rPr lang="en-US"/>
               <a:t>Click to edit Master text styles</a:t>
             </a:r>
+            <a:endParaRPr lang="en-US"/>
           </a:p>
           <a:p>
             <a:pPr lvl="1"/>
@@ -7336,6 +7308,7 @@
               <a:rPr lang="en-US"/>
               <a:t>Second level</a:t>
             </a:r>
+            <a:endParaRPr lang="en-US"/>
           </a:p>
           <a:p>
             <a:pPr lvl="2"/>
@@ -7343,6 +7316,7 @@
               <a:rPr lang="en-US"/>
               <a:t>Third level</a:t>
             </a:r>
+            <a:endParaRPr lang="en-US"/>
           </a:p>
           <a:p>
             <a:pPr lvl="3"/>
@@ -7350,6 +7324,7 @@
               <a:rPr lang="en-US"/>
               <a:t>Fourth level</a:t>
             </a:r>
+            <a:endParaRPr lang="en-US"/>
           </a:p>
           <a:p>
             <a:pPr lvl="4"/>
@@ -7383,7 +7358,6 @@
           <a:p>
             <a:fld id="{F4D57BDD-E64A-4D27-8978-82FFCA18A12C}" type="datetimeFigureOut">
               <a:rPr lang="en-US" smtClean="0"/>
-              <a:t>1/3/2023</a:t>
             </a:fld>
             <a:endParaRPr lang="en-US"/>
           </a:p>
@@ -7461,18 +7435,12 @@
           <a:p>
             <a:fld id="{D643A852-0206-46AC-B0EB-645612933129}" type="slidenum">
               <a:rPr lang="en-US" smtClean="0"/>
-              <a:t>‹#›</a:t>
             </a:fld>
             <a:endParaRPr lang="en-US"/>
           </a:p>
         </p:txBody>
       </p:sp>
     </p:spTree>
-    <p:extLst>
-      <p:ext uri="{BB962C8B-B14F-4D97-AF65-F5344CB8AC3E}">
-        <p14:creationId xmlns:p14="http://schemas.microsoft.com/office/powerpoint/2010/main" val="3893167692"/>
-      </p:ext>
-    </p:extLst>
   </p:cSld>
   <p:clrMapOvr>
     <a:masterClrMapping/>
@@ -7545,6 +7513,7 @@
               <a:rPr lang="en-US"/>
               <a:t>Click to edit Master text styles</a:t>
             </a:r>
+            <a:endParaRPr lang="en-US"/>
           </a:p>
           <a:p>
             <a:pPr lvl="1"/>
@@ -7552,6 +7521,7 @@
               <a:rPr lang="en-US"/>
               <a:t>Second level</a:t>
             </a:r>
+            <a:endParaRPr lang="en-US"/>
           </a:p>
           <a:p>
             <a:pPr lvl="2"/>
@@ -7559,6 +7529,7 @@
               <a:rPr lang="en-US"/>
               <a:t>Third level</a:t>
             </a:r>
+            <a:endParaRPr lang="en-US"/>
           </a:p>
           <a:p>
             <a:pPr lvl="3"/>
@@ -7566,6 +7537,7 @@
               <a:rPr lang="en-US"/>
               <a:t>Fourth level</a:t>
             </a:r>
+            <a:endParaRPr lang="en-US"/>
           </a:p>
           <a:p>
             <a:pPr lvl="4"/>
@@ -7594,7 +7566,6 @@
           <a:p>
             <a:fld id="{F4D57BDD-E64A-4D27-8978-82FFCA18A12C}" type="datetimeFigureOut">
               <a:rPr lang="en-US" smtClean="0"/>
-              <a:t>1/3/2023</a:t>
             </a:fld>
             <a:endParaRPr lang="en-US"/>
           </a:p>
@@ -7636,18 +7607,12 @@
           <a:p>
             <a:fld id="{D643A852-0206-46AC-B0EB-645612933129}" type="slidenum">
               <a:rPr lang="en-US" smtClean="0"/>
-              <a:t>‹#›</a:t>
             </a:fld>
             <a:endParaRPr lang="en-US"/>
           </a:p>
         </p:txBody>
       </p:sp>
     </p:spTree>
-    <p:extLst>
-      <p:ext uri="{BB962C8B-B14F-4D97-AF65-F5344CB8AC3E}">
-        <p14:creationId xmlns:p14="http://schemas.microsoft.com/office/powerpoint/2010/main" val="929357743"/>
-      </p:ext>
-    </p:extLst>
   </p:cSld>
   <p:clrMapOvr>
     <a:masterClrMapping/>
@@ -7656,7 +7621,7 @@
 </file>
 
 <file path=ppt/slideLayouts/slideLayout3.xml><?xml version="1.0" encoding="utf-8"?>
-<p:sldLayout xmlns:a="http://schemas.openxmlformats.org/drawingml/2006/main" xmlns:r="http://schemas.openxmlformats.org/officeDocument/2006/relationships" xmlns:p="http://schemas.openxmlformats.org/presentationml/2006/main" showMasterSp="0" type="secHead" preserve="1">
+<p:sldLayout xmlns:a="http://schemas.openxmlformats.org/drawingml/2006/main" xmlns:r="http://schemas.openxmlformats.org/officeDocument/2006/relationships" xmlns:p="http://schemas.openxmlformats.org/presentationml/2006/main" type="secHead" preserve="1" showMasterSp="0">
   <p:cSld name="Section Header">
     <p:spTree>
       <p:nvGrpSpPr>
@@ -8608,6 +8573,7 @@
               <a:rPr lang="en-US"/>
               <a:t>Click to edit Master text styles</a:t>
             </a:r>
+            <a:endParaRPr lang="en-US"/>
           </a:p>
         </p:txBody>
       </p:sp>
@@ -8628,7 +8594,6 @@
           <a:p>
             <a:fld id="{F4D57BDD-E64A-4D27-8978-82FFCA18A12C}" type="datetimeFigureOut">
               <a:rPr lang="en-US" smtClean="0"/>
-              <a:t>1/3/2023</a:t>
             </a:fld>
             <a:endParaRPr lang="en-US"/>
           </a:p>
@@ -8706,18 +8671,12 @@
           <a:p>
             <a:fld id="{D643A852-0206-46AC-B0EB-645612933129}" type="slidenum">
               <a:rPr lang="en-US" smtClean="0"/>
-              <a:t>‹#›</a:t>
             </a:fld>
             <a:endParaRPr lang="en-US"/>
           </a:p>
         </p:txBody>
       </p:sp>
     </p:spTree>
-    <p:extLst>
-      <p:ext uri="{BB962C8B-B14F-4D97-AF65-F5344CB8AC3E}">
-        <p14:creationId xmlns:p14="http://schemas.microsoft.com/office/powerpoint/2010/main" val="3069366100"/>
-      </p:ext>
-    </p:extLst>
   </p:cSld>
   <p:clrMapOvr>
     <a:masterClrMapping/>
@@ -8792,6 +8751,7 @@
               <a:rPr lang="en-US"/>
               <a:t>Click to edit Master text styles</a:t>
             </a:r>
+            <a:endParaRPr lang="en-US"/>
           </a:p>
           <a:p>
             <a:pPr lvl="1"/>
@@ -8799,6 +8759,7 @@
               <a:rPr lang="en-US"/>
               <a:t>Second level</a:t>
             </a:r>
+            <a:endParaRPr lang="en-US"/>
           </a:p>
           <a:p>
             <a:pPr lvl="2"/>
@@ -8806,6 +8767,7 @@
               <a:rPr lang="en-US"/>
               <a:t>Third level</a:t>
             </a:r>
+            <a:endParaRPr lang="en-US"/>
           </a:p>
           <a:p>
             <a:pPr lvl="3"/>
@@ -8813,6 +8775,7 @@
               <a:rPr lang="en-US"/>
               <a:t>Fourth level</a:t>
             </a:r>
+            <a:endParaRPr lang="en-US"/>
           </a:p>
           <a:p>
             <a:pPr lvl="4"/>
@@ -8851,6 +8814,7 @@
               <a:rPr lang="en-US"/>
               <a:t>Click to edit Master text styles</a:t>
             </a:r>
+            <a:endParaRPr lang="en-US"/>
           </a:p>
           <a:p>
             <a:pPr lvl="1"/>
@@ -8858,6 +8822,7 @@
               <a:rPr lang="en-US"/>
               <a:t>Second level</a:t>
             </a:r>
+            <a:endParaRPr lang="en-US"/>
           </a:p>
           <a:p>
             <a:pPr lvl="2"/>
@@ -8865,6 +8830,7 @@
               <a:rPr lang="en-US"/>
               <a:t>Third level</a:t>
             </a:r>
+            <a:endParaRPr lang="en-US"/>
           </a:p>
           <a:p>
             <a:pPr lvl="3"/>
@@ -8872,6 +8838,7 @@
               <a:rPr lang="en-US"/>
               <a:t>Fourth level</a:t>
             </a:r>
+            <a:endParaRPr lang="en-US"/>
           </a:p>
           <a:p>
             <a:pPr lvl="4"/>
@@ -8900,7 +8867,6 @@
           <a:p>
             <a:fld id="{F4D57BDD-E64A-4D27-8978-82FFCA18A12C}" type="datetimeFigureOut">
               <a:rPr lang="en-US" smtClean="0"/>
-              <a:t>1/3/2023</a:t>
             </a:fld>
             <a:endParaRPr lang="en-US"/>
           </a:p>
@@ -8942,18 +8908,12 @@
           <a:p>
             <a:fld id="{D643A852-0206-46AC-B0EB-645612933129}" type="slidenum">
               <a:rPr lang="en-US" smtClean="0"/>
-              <a:t>‹#›</a:t>
             </a:fld>
             <a:endParaRPr lang="en-US"/>
           </a:p>
         </p:txBody>
       </p:sp>
     </p:spTree>
-    <p:extLst>
-      <p:ext uri="{BB962C8B-B14F-4D97-AF65-F5344CB8AC3E}">
-        <p14:creationId xmlns:p14="http://schemas.microsoft.com/office/powerpoint/2010/main" val="1217860883"/>
-      </p:ext>
-    </p:extLst>
   </p:cSld>
   <p:clrMapOvr>
     <a:masterClrMapping/>
@@ -9073,6 +9033,7 @@
               <a:rPr lang="en-US"/>
               <a:t>Click to edit Master text styles</a:t>
             </a:r>
+            <a:endParaRPr lang="en-US"/>
           </a:p>
         </p:txBody>
       </p:sp>
@@ -9103,6 +9064,7 @@
               <a:rPr lang="en-US"/>
               <a:t>Click to edit Master text styles</a:t>
             </a:r>
+            <a:endParaRPr lang="en-US"/>
           </a:p>
           <a:p>
             <a:pPr lvl="1"/>
@@ -9110,6 +9072,7 @@
               <a:rPr lang="en-US"/>
               <a:t>Second level</a:t>
             </a:r>
+            <a:endParaRPr lang="en-US"/>
           </a:p>
           <a:p>
             <a:pPr lvl="2"/>
@@ -9117,6 +9080,7 @@
               <a:rPr lang="en-US"/>
               <a:t>Third level</a:t>
             </a:r>
+            <a:endParaRPr lang="en-US"/>
           </a:p>
           <a:p>
             <a:pPr lvl="3"/>
@@ -9124,6 +9088,7 @@
               <a:rPr lang="en-US"/>
               <a:t>Fourth level</a:t>
             </a:r>
+            <a:endParaRPr lang="en-US"/>
           </a:p>
           <a:p>
             <a:pPr lvl="4"/>
@@ -9203,6 +9168,7 @@
               <a:rPr lang="en-US"/>
               <a:t>Click to edit Master text styles</a:t>
             </a:r>
+            <a:endParaRPr lang="en-US"/>
           </a:p>
         </p:txBody>
       </p:sp>
@@ -9261,6 +9227,7 @@
               <a:rPr lang="en-US"/>
               <a:t>Click to edit Master text styles</a:t>
             </a:r>
+            <a:endParaRPr lang="en-US"/>
           </a:p>
           <a:p>
             <a:pPr lvl="1"/>
@@ -9268,6 +9235,7 @@
               <a:rPr lang="en-US"/>
               <a:t>Second level</a:t>
             </a:r>
+            <a:endParaRPr lang="en-US"/>
           </a:p>
           <a:p>
             <a:pPr lvl="2"/>
@@ -9275,6 +9243,7 @@
               <a:rPr lang="en-US"/>
               <a:t>Third level</a:t>
             </a:r>
+            <a:endParaRPr lang="en-US"/>
           </a:p>
           <a:p>
             <a:pPr lvl="3"/>
@@ -9282,6 +9251,7 @@
               <a:rPr lang="en-US"/>
               <a:t>Fourth level</a:t>
             </a:r>
+            <a:endParaRPr lang="en-US"/>
           </a:p>
           <a:p>
             <a:pPr lvl="4"/>
@@ -9310,7 +9280,6 @@
           <a:p>
             <a:fld id="{F4D57BDD-E64A-4D27-8978-82FFCA18A12C}" type="datetimeFigureOut">
               <a:rPr lang="en-US" smtClean="0"/>
-              <a:t>1/3/2023</a:t>
             </a:fld>
             <a:endParaRPr lang="en-US"/>
           </a:p>
@@ -9352,18 +9321,12 @@
           <a:p>
             <a:fld id="{D643A852-0206-46AC-B0EB-645612933129}" type="slidenum">
               <a:rPr lang="en-US" smtClean="0"/>
-              <a:t>‹#›</a:t>
             </a:fld>
             <a:endParaRPr lang="en-US"/>
           </a:p>
         </p:txBody>
       </p:sp>
     </p:spTree>
-    <p:extLst>
-      <p:ext uri="{BB962C8B-B14F-4D97-AF65-F5344CB8AC3E}">
-        <p14:creationId xmlns:p14="http://schemas.microsoft.com/office/powerpoint/2010/main" val="2215403381"/>
-      </p:ext>
-    </p:extLst>
   </p:cSld>
   <p:clrMapOvr>
     <a:masterClrMapping/>
@@ -9437,7 +9400,6 @@
           <a:p>
             <a:fld id="{F4D57BDD-E64A-4D27-8978-82FFCA18A12C}" type="datetimeFigureOut">
               <a:rPr lang="en-US" smtClean="0"/>
-              <a:t>1/3/2023</a:t>
             </a:fld>
             <a:endParaRPr lang="en-US"/>
           </a:p>
@@ -9479,18 +9441,12 @@
           <a:p>
             <a:fld id="{D643A852-0206-46AC-B0EB-645612933129}" type="slidenum">
               <a:rPr lang="en-US" smtClean="0"/>
-              <a:t>‹#›</a:t>
             </a:fld>
             <a:endParaRPr lang="en-US"/>
           </a:p>
         </p:txBody>
       </p:sp>
     </p:spTree>
-    <p:extLst>
-      <p:ext uri="{BB962C8B-B14F-4D97-AF65-F5344CB8AC3E}">
-        <p14:creationId xmlns:p14="http://schemas.microsoft.com/office/powerpoint/2010/main" val="9312431"/>
-      </p:ext>
-    </p:extLst>
   </p:cSld>
   <p:clrMapOvr>
     <a:masterClrMapping/>
@@ -9499,7 +9455,7 @@
 </file>
 
 <file path=ppt/slideLayouts/slideLayout7.xml><?xml version="1.0" encoding="utf-8"?>
-<p:sldLayout xmlns:a="http://schemas.openxmlformats.org/drawingml/2006/main" xmlns:r="http://schemas.openxmlformats.org/officeDocument/2006/relationships" xmlns:p="http://schemas.openxmlformats.org/presentationml/2006/main" showMasterSp="0" type="blank" preserve="1">
+<p:sldLayout xmlns:a="http://schemas.openxmlformats.org/drawingml/2006/main" xmlns:r="http://schemas.openxmlformats.org/officeDocument/2006/relationships" xmlns:p="http://schemas.openxmlformats.org/presentationml/2006/main" type="blank" preserve="1" showMasterSp="0">
   <p:cSld name="Blank">
     <p:spTree>
       <p:nvGrpSpPr>
@@ -9532,7 +9488,6 @@
           <a:p>
             <a:fld id="{F4D57BDD-E64A-4D27-8978-82FFCA18A12C}" type="datetimeFigureOut">
               <a:rPr lang="en-US" smtClean="0"/>
-              <a:t>1/3/2023</a:t>
             </a:fld>
             <a:endParaRPr lang="en-US"/>
           </a:p>
@@ -9610,18 +9565,12 @@
           <a:p>
             <a:fld id="{D643A852-0206-46AC-B0EB-645612933129}" type="slidenum">
               <a:rPr lang="en-US" smtClean="0"/>
-              <a:t>‹#›</a:t>
             </a:fld>
             <a:endParaRPr lang="en-US"/>
           </a:p>
         </p:txBody>
       </p:sp>
     </p:spTree>
-    <p:extLst>
-      <p:ext uri="{BB962C8B-B14F-4D97-AF65-F5344CB8AC3E}">
-        <p14:creationId xmlns:p14="http://schemas.microsoft.com/office/powerpoint/2010/main" val="2831014979"/>
-      </p:ext>
-    </p:extLst>
   </p:cSld>
   <p:clrMapOvr>
     <a:masterClrMapping/>
@@ -9630,7 +9579,7 @@
 </file>
 
 <file path=ppt/slideLayouts/slideLayout8.xml><?xml version="1.0" encoding="utf-8"?>
-<p:sldLayout xmlns:a="http://schemas.openxmlformats.org/drawingml/2006/main" xmlns:r="http://schemas.openxmlformats.org/officeDocument/2006/relationships" xmlns:p="http://schemas.openxmlformats.org/presentationml/2006/main" showMasterSp="0" type="objTx" preserve="1">
+<p:sldLayout xmlns:a="http://schemas.openxmlformats.org/drawingml/2006/main" xmlns:r="http://schemas.openxmlformats.org/officeDocument/2006/relationships" xmlns:p="http://schemas.openxmlformats.org/presentationml/2006/main" type="objTx" preserve="1" showMasterSp="0">
   <p:cSld name="Content with Caption">
     <p:spTree>
       <p:nvGrpSpPr>
@@ -10492,6 +10441,7 @@
               <a:rPr lang="en-US"/>
               <a:t>Click to edit Master text styles</a:t>
             </a:r>
+            <a:endParaRPr lang="en-US"/>
           </a:p>
           <a:p>
             <a:pPr lvl="1"/>
@@ -10499,6 +10449,7 @@
               <a:rPr lang="en-US"/>
               <a:t>Second level</a:t>
             </a:r>
+            <a:endParaRPr lang="en-US"/>
           </a:p>
           <a:p>
             <a:pPr lvl="2"/>
@@ -10506,6 +10457,7 @@
               <a:rPr lang="en-US"/>
               <a:t>Third level</a:t>
             </a:r>
+            <a:endParaRPr lang="en-US"/>
           </a:p>
           <a:p>
             <a:pPr lvl="3"/>
@@ -10513,6 +10465,7 @@
               <a:rPr lang="en-US"/>
               <a:t>Fourth level</a:t>
             </a:r>
+            <a:endParaRPr lang="en-US"/>
           </a:p>
           <a:p>
             <a:pPr lvl="4"/>
@@ -10593,6 +10546,7 @@
               <a:rPr lang="en-US"/>
               <a:t>Click to edit Master text styles</a:t>
             </a:r>
+            <a:endParaRPr lang="en-US"/>
           </a:p>
         </p:txBody>
       </p:sp>
@@ -10613,7 +10567,6 @@
           <a:p>
             <a:fld id="{F4D57BDD-E64A-4D27-8978-82FFCA18A12C}" type="datetimeFigureOut">
               <a:rPr lang="en-US" smtClean="0"/>
-              <a:t>1/3/2023</a:t>
             </a:fld>
             <a:endParaRPr lang="en-US"/>
           </a:p>
@@ -10691,18 +10644,12 @@
           <a:p>
             <a:fld id="{D643A852-0206-46AC-B0EB-645612933129}" type="slidenum">
               <a:rPr lang="en-US" smtClean="0"/>
-              <a:t>‹#›</a:t>
             </a:fld>
             <a:endParaRPr lang="en-US"/>
           </a:p>
         </p:txBody>
       </p:sp>
     </p:spTree>
-    <p:extLst>
-      <p:ext uri="{BB962C8B-B14F-4D97-AF65-F5344CB8AC3E}">
-        <p14:creationId xmlns:p14="http://schemas.microsoft.com/office/powerpoint/2010/main" val="4262219638"/>
-      </p:ext>
-    </p:extLst>
   </p:cSld>
   <p:clrMapOvr>
     <a:masterClrMapping/>
@@ -10711,7 +10658,7 @@
 </file>
 
 <file path=ppt/slideLayouts/slideLayout9.xml><?xml version="1.0" encoding="utf-8"?>
-<p:sldLayout xmlns:a="http://schemas.openxmlformats.org/drawingml/2006/main" xmlns:r="http://schemas.openxmlformats.org/officeDocument/2006/relationships" xmlns:p="http://schemas.openxmlformats.org/presentationml/2006/main" showMasterSp="0" type="picTx" preserve="1">
+<p:sldLayout xmlns:a="http://schemas.openxmlformats.org/drawingml/2006/main" xmlns:r="http://schemas.openxmlformats.org/officeDocument/2006/relationships" xmlns:p="http://schemas.openxmlformats.org/presentationml/2006/main" type="picTx" preserve="1" showMasterSp="0">
   <p:cSld name="Picture with Caption">
     <p:spTree>
       <p:nvGrpSpPr>
@@ -11701,6 +11648,7 @@
               <a:rPr lang="en-US"/>
               <a:t>Click to edit Master text styles</a:t>
             </a:r>
+            <a:endParaRPr lang="en-US"/>
           </a:p>
         </p:txBody>
       </p:sp>
@@ -11721,7 +11669,6 @@
           <a:p>
             <a:fld id="{F4D57BDD-E64A-4D27-8978-82FFCA18A12C}" type="datetimeFigureOut">
               <a:rPr lang="en-US" smtClean="0"/>
-              <a:t>1/3/2023</a:t>
             </a:fld>
             <a:endParaRPr lang="en-US"/>
           </a:p>
@@ -11799,18 +11746,12 @@
           <a:p>
             <a:fld id="{D643A852-0206-46AC-B0EB-645612933129}" type="slidenum">
               <a:rPr lang="en-US" smtClean="0"/>
-              <a:t>‹#›</a:t>
             </a:fld>
             <a:endParaRPr lang="en-US"/>
           </a:p>
         </p:txBody>
       </p:sp>
     </p:spTree>
-    <p:extLst>
-      <p:ext uri="{BB962C8B-B14F-4D97-AF65-F5344CB8AC3E}">
-        <p14:creationId xmlns:p14="http://schemas.microsoft.com/office/powerpoint/2010/main" val="2661623738"/>
-      </p:ext>
-    </p:extLst>
   </p:cSld>
   <p:clrMapOvr>
     <a:masterClrMapping/>
@@ -11869,7 +11810,7 @@
               <a:avLst/>
             </a:prstGeom>
             <a:blipFill>
-              <a:blip r:embed="rId19">
+              <a:blip r:embed="rId18">
                 <a:duotone>
                   <a:schemeClr val="dk2">
                     <a:shade val="69000"/>
@@ -12653,6 +12594,7 @@
               <a:rPr lang="en-US"/>
               <a:t>Click to edit Master text styles</a:t>
             </a:r>
+            <a:endParaRPr lang="en-US"/>
           </a:p>
           <a:p>
             <a:pPr lvl="1"/>
@@ -12660,6 +12602,7 @@
               <a:rPr lang="en-US"/>
               <a:t>Second level</a:t>
             </a:r>
+            <a:endParaRPr lang="en-US"/>
           </a:p>
           <a:p>
             <a:pPr lvl="2"/>
@@ -12667,6 +12610,7 @@
               <a:rPr lang="en-US"/>
               <a:t>Third level</a:t>
             </a:r>
+            <a:endParaRPr lang="en-US"/>
           </a:p>
           <a:p>
             <a:pPr lvl="3"/>
@@ -12674,6 +12618,7 @@
               <a:rPr lang="en-US"/>
               <a:t>Fourth level</a:t>
             </a:r>
+            <a:endParaRPr lang="en-US"/>
           </a:p>
           <a:p>
             <a:pPr lvl="4"/>
@@ -12718,8 +12663,6 @@
           <a:p>
             <a:fld id="{F4D57BDD-E64A-4D27-8978-82FFCA18A12C}" type="datetimeFigureOut">
               <a:rPr lang="en-US" smtClean="0"/>
-              <a:pPr/>
-              <a:t>1/3/2023</a:t>
             </a:fld>
             <a:endParaRPr lang="en-US" dirty="0"/>
           </a:p>
@@ -12829,39 +12772,32 @@
           <a:p>
             <a:fld id="{D643A852-0206-46AC-B0EB-645612933129}" type="slidenum">
               <a:rPr lang="en-US" smtClean="0"/>
-              <a:pPr/>
-              <a:t>‹#›</a:t>
             </a:fld>
             <a:endParaRPr lang="en-US" dirty="0"/>
           </a:p>
         </p:txBody>
       </p:sp>
     </p:spTree>
-    <p:extLst>
-      <p:ext uri="{BB962C8B-B14F-4D97-AF65-F5344CB8AC3E}">
-        <p14:creationId xmlns:p14="http://schemas.microsoft.com/office/powerpoint/2010/main" val="3306539101"/>
-      </p:ext>
-    </p:extLst>
   </p:cSld>
   <p:clrMap bg1="lt1" tx1="dk1" bg2="lt2" tx2="dk2" accent1="accent1" accent2="accent2" accent3="accent3" accent4="accent4" accent5="accent5" accent6="accent6" hlink="hlink" folHlink="folHlink"/>
   <p:sldLayoutIdLst>
-    <p:sldLayoutId id="2147483840" r:id="rId1"/>
-    <p:sldLayoutId id="2147483841" r:id="rId2"/>
-    <p:sldLayoutId id="2147483842" r:id="rId3"/>
-    <p:sldLayoutId id="2147483843" r:id="rId4"/>
-    <p:sldLayoutId id="2147483844" r:id="rId5"/>
-    <p:sldLayoutId id="2147483845" r:id="rId6"/>
-    <p:sldLayoutId id="2147483846" r:id="rId7"/>
-    <p:sldLayoutId id="2147483847" r:id="rId8"/>
-    <p:sldLayoutId id="2147483848" r:id="rId9"/>
-    <p:sldLayoutId id="2147483849" r:id="rId10"/>
-    <p:sldLayoutId id="2147483850" r:id="rId11"/>
-    <p:sldLayoutId id="2147483851" r:id="rId12"/>
-    <p:sldLayoutId id="2147483852" r:id="rId13"/>
-    <p:sldLayoutId id="2147483853" r:id="rId14"/>
-    <p:sldLayoutId id="2147483854" r:id="rId15"/>
-    <p:sldLayoutId id="2147483855" r:id="rId16"/>
-    <p:sldLayoutId id="2147483856" r:id="rId17"/>
+    <p:sldLayoutId id="2147483649" r:id="rId1"/>
+    <p:sldLayoutId id="2147483650" r:id="rId2"/>
+    <p:sldLayoutId id="2147483651" r:id="rId3"/>
+    <p:sldLayoutId id="2147483652" r:id="rId4"/>
+    <p:sldLayoutId id="2147483653" r:id="rId5"/>
+    <p:sldLayoutId id="2147483654" r:id="rId6"/>
+    <p:sldLayoutId id="2147483655" r:id="rId7"/>
+    <p:sldLayoutId id="2147483656" r:id="rId8"/>
+    <p:sldLayoutId id="2147483657" r:id="rId9"/>
+    <p:sldLayoutId id="2147483658" r:id="rId10"/>
+    <p:sldLayoutId id="2147483659" r:id="rId11"/>
+    <p:sldLayoutId id="2147483660" r:id="rId12"/>
+    <p:sldLayoutId id="2147483661" r:id="rId13"/>
+    <p:sldLayoutId id="2147483662" r:id="rId14"/>
+    <p:sldLayoutId id="2147483663" r:id="rId15"/>
+    <p:sldLayoutId id="2147483664" r:id="rId16"/>
+    <p:sldLayoutId id="2147483665" r:id="rId17"/>
   </p:sldLayoutIdLst>
   <p:txStyles>
     <p:titleStyle>
@@ -12948,7 +12884,7 @@
           <a:schemeClr val="accent1"/>
         </a:buClr>
         <a:buSzPct val="80000"/>
-        <a:buFont typeface="Wingdings 3" charset="2"/>
+        <a:buFont typeface="Wingdings 3" panose="05040102010807070707" charset="2"/>
         <a:buChar char=""/>
         <a:defRPr sz="1800" b="0" i="0" kern="1200">
           <a:solidFill>
@@ -12973,7 +12909,7 @@
           <a:schemeClr val="accent1"/>
         </a:buClr>
         <a:buSzPct val="80000"/>
-        <a:buFont typeface="Wingdings 3" charset="2"/>
+        <a:buFont typeface="Wingdings 3" panose="05040102010807070707" charset="2"/>
         <a:buChar char=""/>
         <a:defRPr sz="1600" b="0" i="0" kern="1200">
           <a:solidFill>
@@ -12998,7 +12934,7 @@
           <a:schemeClr val="accent1"/>
         </a:buClr>
         <a:buSzPct val="80000"/>
-        <a:buFont typeface="Wingdings 3" charset="2"/>
+        <a:buFont typeface="Wingdings 3" panose="05040102010807070707" charset="2"/>
         <a:buChar char=""/>
         <a:defRPr sz="1400" b="0" i="0" kern="1200">
           <a:solidFill>
@@ -13023,7 +12959,7 @@
           <a:schemeClr val="accent1"/>
         </a:buClr>
         <a:buSzPct val="80000"/>
-        <a:buFont typeface="Wingdings 3" charset="2"/>
+        <a:buFont typeface="Wingdings 3" panose="05040102010807070707" charset="2"/>
         <a:buChar char=""/>
         <a:defRPr sz="1200" b="0" i="0" kern="1200">
           <a:solidFill>
@@ -13048,7 +12984,7 @@
           <a:schemeClr val="accent1"/>
         </a:buClr>
         <a:buSzPct val="80000"/>
-        <a:buFont typeface="Wingdings 3" charset="2"/>
+        <a:buFont typeface="Wingdings 3" panose="05040102010807070707" charset="2"/>
         <a:buChar char=""/>
         <a:defRPr sz="1200" b="0" i="0" kern="1200">
           <a:solidFill>
@@ -13073,7 +13009,7 @@
           <a:schemeClr val="accent1"/>
         </a:buClr>
         <a:buSzPct val="80000"/>
-        <a:buFont typeface="Wingdings 3" charset="2"/>
+        <a:buFont typeface="Wingdings 3" panose="05040102010807070707" charset="2"/>
         <a:buChar char=""/>
         <a:defRPr sz="1200" b="0" i="0" kern="1200">
           <a:solidFill>
@@ -13098,7 +13034,7 @@
           <a:schemeClr val="accent1"/>
         </a:buClr>
         <a:buSzPct val="80000"/>
-        <a:buFont typeface="Wingdings 3" charset="2"/>
+        <a:buFont typeface="Wingdings 3" panose="05040102010807070707" charset="2"/>
         <a:buChar char=""/>
         <a:defRPr sz="1200" b="0" i="0" kern="1200">
           <a:solidFill>
@@ -13123,7 +13059,7 @@
           <a:schemeClr val="accent1"/>
         </a:buClr>
         <a:buSzPct val="80000"/>
-        <a:buFont typeface="Wingdings 3" charset="2"/>
+        <a:buFont typeface="Wingdings 3" panose="05040102010807070707" charset="2"/>
         <a:buChar char=""/>
         <a:defRPr sz="1200" b="0" i="0" kern="1200">
           <a:solidFill>
@@ -13148,7 +13084,7 @@
           <a:schemeClr val="accent1"/>
         </a:buClr>
         <a:buSzPct val="80000"/>
-        <a:buFont typeface="Wingdings 3" charset="2"/>
+        <a:buFont typeface="Wingdings 3" panose="05040102010807070707" charset="2"/>
         <a:buChar char=""/>
         <a:defRPr sz="1200" b="0" i="0" kern="1200">
           <a:solidFill>
@@ -13289,13 +13225,7 @@
       </p:grpSpPr>
       <p:sp>
         <p:nvSpPr>
-          <p:cNvPr id="2" name="Title 1">
-            <a:extLst>
-              <a:ext uri="{FF2B5EF4-FFF2-40B4-BE49-F238E27FC236}">
-                <a16:creationId xmlns:a16="http://schemas.microsoft.com/office/drawing/2014/main" id="{A8B49DD3-102E-C346-DBF3-BF53777998C3}"/>
-              </a:ext>
-            </a:extLst>
-          </p:cNvPr>
+          <p:cNvPr id="2" name="Title 1"/>
           <p:cNvSpPr>
             <a:spLocks noGrp="1"/>
           </p:cNvSpPr>
@@ -13327,27 +13257,24 @@
               <a:rPr lang="en-US" sz="2800" dirty="0"/>
               <a:t>Project 3 – Home Price Changes in Southern California</a:t>
             </a:r>
+            <a:endParaRPr lang="en-US" sz="2800" dirty="0"/>
           </a:p>
         </p:txBody>
       </p:sp>
       <p:pic>
         <p:nvPicPr>
-          <p:cNvPr id="4" name="Picture 3">
-            <a:extLst>
-              <a:ext uri="{FF2B5EF4-FFF2-40B4-BE49-F238E27FC236}">
-                <a16:creationId xmlns:a16="http://schemas.microsoft.com/office/drawing/2014/main" id="{7B4CC92E-9FAA-20E7-95F2-D1E163F511CB}"/>
-              </a:ext>
-            </a:extLst>
-          </p:cNvPr>
+          <p:cNvPr id="4" name="Picture 3"/>
           <p:cNvPicPr>
             <a:picLocks noChangeAspect="1"/>
           </p:cNvPicPr>
           <p:nvPr/>
         </p:nvPicPr>
         <p:blipFill rotWithShape="1">
-          <a:blip r:embed="rId2"/>
+          <a:blip r:embed="rId1"/>
           <a:srcRect l="28427" r="31573"/>
-          <a:stretch/>
+          <a:stretch>
+            <a:fillRect/>
+          </a:stretch>
         </p:blipFill>
         <p:spPr>
           <a:xfrm>
@@ -15263,11 +15190,102 @@
         </p:spPr>
       </p:pic>
     </p:spTree>
-    <p:extLst>
-      <p:ext uri="{BB962C8B-B14F-4D97-AF65-F5344CB8AC3E}">
-        <p14:creationId xmlns:p14="http://schemas.microsoft.com/office/powerpoint/2010/main" val="1211559585"/>
-      </p:ext>
-    </p:extLst>
+  </p:cSld>
+  <p:clrMapOvr>
+    <a:masterClrMapping/>
+  </p:clrMapOvr>
+</p:sld>
+</file>
+
+<file path=ppt/slides/slide10.xml><?xml version="1.0" encoding="utf-8"?>
+<p:sld xmlns:a="http://schemas.openxmlformats.org/drawingml/2006/main" xmlns:r="http://schemas.openxmlformats.org/officeDocument/2006/relationships" xmlns:p="http://schemas.openxmlformats.org/presentationml/2006/main">
+  <p:cSld>
+    <p:spTree>
+      <p:nvGrpSpPr>
+        <p:cNvPr id="1" name=""/>
+        <p:cNvGrpSpPr/>
+        <p:nvPr/>
+      </p:nvGrpSpPr>
+      <p:grpSpPr/>
+      <p:sp>
+        <p:nvSpPr>
+          <p:cNvPr id="2" name="Title 1"/>
+          <p:cNvSpPr>
+            <a:spLocks noGrp="1"/>
+          </p:cNvSpPr>
+          <p:nvPr>
+            <p:ph type="title"/>
+          </p:nvPr>
+        </p:nvSpPr>
+        <p:spPr/>
+        <p:txBody>
+          <a:bodyPr/>
+          <a:p>
+            <a:r>
+              <a:rPr lang="en-US"/>
+              <a:t>Case-Shiller Index</a:t>
+            </a:r>
+            <a:endParaRPr lang="en-US"/>
+          </a:p>
+        </p:txBody>
+      </p:sp>
+      <p:sp>
+        <p:nvSpPr>
+          <p:cNvPr id="3" name="Text Box 2"/>
+          <p:cNvSpPr txBox="1"/>
+          <p:nvPr/>
+        </p:nvSpPr>
+        <p:spPr>
+          <a:xfrm>
+            <a:off x="753745" y="2497455"/>
+            <a:ext cx="8773160" cy="3415030"/>
+          </a:xfrm>
+          <a:prstGeom prst="rect">
+            <a:avLst/>
+          </a:prstGeom>
+          <a:noFill/>
+        </p:spPr>
+        <p:txBody>
+          <a:bodyPr wrap="square" rtlCol="0">
+            <a:spAutoFit/>
+          </a:bodyPr>
+          <a:p>
+            <a:r>
+              <a:rPr lang="en-US"/>
+              <a:t>Ideally, if we can track the price changes of each house every month, we can know the change of house prices.</a:t>
+            </a:r>
+            <a:endParaRPr lang="en-US"/>
+          </a:p>
+          <a:p>
+            <a:endParaRPr lang="en-US"/>
+          </a:p>
+          <a:p>
+            <a:r>
+              <a:rPr lang="en-US"/>
+              <a:t>But there’s no way we will trade our house every month.</a:t>
+            </a:r>
+            <a:endParaRPr lang="en-US"/>
+          </a:p>
+          <a:p>
+            <a:endParaRPr lang="en-US"/>
+          </a:p>
+          <a:p>
+            <a:r>
+              <a:rPr lang="en-US"/>
+              <a:t>Practically, we can do the following:</a:t>
+            </a:r>
+            <a:endParaRPr lang="en-US"/>
+          </a:p>
+          <a:p>
+            <a:r>
+              <a:rPr lang="en-US"/>
+              <a:t>Take zip code 90101 as an example, if in 2018/01 there were 1000 houses sold, get median sell price, for example, $600,000. 2018/02 there were 870 houses sold, get median sell price, for example, $620,000. Normally, the two prices would not reflectthe same housing price. Then the change of house price would be ($620,000 - $600,000) / $600,000 = $20,000 / $600,000 = 3.33%. This is value is widely used in mortage industry and also news reporting.</a:t>
+            </a:r>
+            <a:endParaRPr lang="en-US"/>
+          </a:p>
+        </p:txBody>
+      </p:sp>
+    </p:spTree>
   </p:cSld>
   <p:clrMapOvr>
     <a:masterClrMapping/>
@@ -15294,13 +15312,7 @@
       </p:grpSpPr>
       <p:sp>
         <p:nvSpPr>
-          <p:cNvPr id="2" name="Title 1">
-            <a:extLst>
-              <a:ext uri="{FF2B5EF4-FFF2-40B4-BE49-F238E27FC236}">
-                <a16:creationId xmlns:a16="http://schemas.microsoft.com/office/drawing/2014/main" id="{535FC758-87FE-9EEC-AA70-D8B55593D448}"/>
-              </a:ext>
-            </a:extLst>
-          </p:cNvPr>
+          <p:cNvPr id="2" name="Title 1"/>
           <p:cNvSpPr>
             <a:spLocks noGrp="1"/>
           </p:cNvSpPr>
@@ -15322,18 +15334,13 @@
               <a:rPr lang="en-US" dirty="0"/>
               <a:t>Purpose of the Study</a:t>
             </a:r>
+            <a:endParaRPr lang="en-US" dirty="0"/>
           </a:p>
         </p:txBody>
       </p:sp>
       <p:sp>
         <p:nvSpPr>
-          <p:cNvPr id="3" name="Content Placeholder 2">
-            <a:extLst>
-              <a:ext uri="{FF2B5EF4-FFF2-40B4-BE49-F238E27FC236}">
-                <a16:creationId xmlns:a16="http://schemas.microsoft.com/office/drawing/2014/main" id="{1C3EF961-1152-C267-B6CD-E0401B185C0A}"/>
-              </a:ext>
-            </a:extLst>
-          </p:cNvPr>
+          <p:cNvPr id="3" name="Content Placeholder 2"/>
           <p:cNvSpPr>
             <a:spLocks noGrp="1"/>
           </p:cNvSpPr>
@@ -15380,6 +15387,10 @@
               </a:rPr>
               <a:t>will do the following:</a:t>
             </a:r>
+            <a:endParaRPr lang="en-US" sz="2400" dirty="0">
+              <a:latin typeface="Calibri" panose="020F0502020204030204" pitchFamily="34" charset="0"/>
+              <a:ea typeface="Times New Roman" panose="02020603050405020304" pitchFamily="18" charset="0"/>
+            </a:endParaRPr>
           </a:p>
           <a:p>
             <a:pPr marL="0" marR="0" indent="0">
@@ -15420,6 +15431,10 @@
               </a:rPr>
               <a:t>Impact of interest rate on mortgage originations?</a:t>
             </a:r>
+            <a:endParaRPr lang="en-US" sz="2400" dirty="0">
+              <a:latin typeface="Calibri" panose="020F0502020204030204" pitchFamily="34" charset="0"/>
+              <a:ea typeface="Times New Roman" panose="02020603050405020304" pitchFamily="18" charset="0"/>
+            </a:endParaRPr>
           </a:p>
           <a:p>
             <a:pPr marR="0">
@@ -15442,6 +15457,10 @@
               </a:rPr>
               <a:t>Impact of interest rate on home prices?</a:t>
             </a:r>
+            <a:endParaRPr lang="en-US" sz="2400" dirty="0">
+              <a:latin typeface="Calibri" panose="020F0502020204030204" pitchFamily="34" charset="0"/>
+              <a:ea typeface="Times New Roman" panose="02020603050405020304" pitchFamily="18" charset="0"/>
+            </a:endParaRPr>
           </a:p>
           <a:p>
             <a:pPr marR="0">
@@ -15464,15 +15483,14 @@
               </a:rPr>
               <a:t>Tracking home price changes in southern California for four years (2018/01 to 2021/12).  </a:t>
             </a:r>
+            <a:endParaRPr lang="en-US" sz="2400" dirty="0">
+              <a:latin typeface="Calibri" panose="020F0502020204030204" pitchFamily="34" charset="0"/>
+              <a:ea typeface="Times New Roman" panose="02020603050405020304" pitchFamily="18" charset="0"/>
+            </a:endParaRPr>
           </a:p>
         </p:txBody>
       </p:sp>
     </p:spTree>
-    <p:extLst>
-      <p:ext uri="{BB962C8B-B14F-4D97-AF65-F5344CB8AC3E}">
-        <p14:creationId xmlns:p14="http://schemas.microsoft.com/office/powerpoint/2010/main" val="100485895"/>
-      </p:ext>
-    </p:extLst>
   </p:cSld>
   <p:clrMapOvr>
     <a:masterClrMapping/>
@@ -15499,13 +15517,7 @@
       </p:grpSpPr>
       <p:sp>
         <p:nvSpPr>
-          <p:cNvPr id="2" name="Title 1">
-            <a:extLst>
-              <a:ext uri="{FF2B5EF4-FFF2-40B4-BE49-F238E27FC236}">
-                <a16:creationId xmlns:a16="http://schemas.microsoft.com/office/drawing/2014/main" id="{535FC758-87FE-9EEC-AA70-D8B55593D448}"/>
-              </a:ext>
-            </a:extLst>
-          </p:cNvPr>
+          <p:cNvPr id="2" name="Title 1"/>
           <p:cNvSpPr>
             <a:spLocks noGrp="1"/>
           </p:cNvSpPr>
@@ -15527,18 +15539,13 @@
               <a:rPr lang="en-US" dirty="0"/>
               <a:t>Link to the file for the project</a:t>
             </a:r>
+            <a:endParaRPr lang="en-US" dirty="0"/>
           </a:p>
         </p:txBody>
       </p:sp>
       <p:sp>
         <p:nvSpPr>
-          <p:cNvPr id="3" name="Content Placeholder 2">
-            <a:extLst>
-              <a:ext uri="{FF2B5EF4-FFF2-40B4-BE49-F238E27FC236}">
-                <a16:creationId xmlns:a16="http://schemas.microsoft.com/office/drawing/2014/main" id="{1C3EF961-1152-C267-B6CD-E0401B185C0A}"/>
-              </a:ext>
-            </a:extLst>
-          </p:cNvPr>
+          <p:cNvPr id="3" name="Content Placeholder 2"/>
           <p:cNvSpPr>
             <a:spLocks noGrp="1"/>
           </p:cNvSpPr>
@@ -15574,6 +15581,7 @@
               <a:rPr lang="en-US" sz="2400" dirty="0"/>
               <a:t>- Program 4.1 will process 55GB of data and requires a lot of computing power. </a:t>
             </a:r>
+            <a:endParaRPr lang="en-US" sz="2400" dirty="0"/>
           </a:p>
           <a:p>
             <a:pPr marL="0" marR="0" indent="0">
@@ -15615,6 +15623,7 @@
               <a:rPr lang="en-US" sz="2400" dirty="0"/>
               <a:t> Notebook, you can skip 4.1 and directly use 4.2 after downloading the zipped data from the following link: </a:t>
             </a:r>
+            <a:endParaRPr lang="en-US" sz="2400" dirty="0"/>
           </a:p>
           <a:p>
             <a:pPr marL="0" marR="0" indent="0">
@@ -15633,6 +15642,7 @@
               <a:rPr lang="en-US" sz="800" dirty="0"/>
               <a:t> </a:t>
             </a:r>
+            <a:endParaRPr lang="en-US" sz="800" dirty="0"/>
           </a:p>
           <a:p>
             <a:pPr marL="0" marR="0" indent="0">
@@ -15649,7 +15659,7 @@
             </a:pPr>
             <a:r>
               <a:rPr lang="en-US" sz="2400" dirty="0">
-                <a:hlinkClick r:id="rId2"/>
+                <a:hlinkClick r:id="rId1"/>
               </a:rPr>
               <a:t>https://1drv.ms/u/s!Amfo1lixPzv-j3d8Ft7z2lWyGMwq?e=vChMsW</a:t>
             </a:r>
@@ -15672,6 +15682,7 @@
               <a:rPr lang="en-US" sz="800" dirty="0"/>
               <a:t> </a:t>
             </a:r>
+            <a:endParaRPr lang="en-US" sz="800" dirty="0"/>
           </a:p>
           <a:p>
             <a:pPr marL="0" marR="0" indent="0">
@@ -15690,15 +15701,11 @@
               <a:rPr lang="en-US" sz="2000" dirty="0"/>
               <a:t>There are 18 files after you have unzipped it.  16 files are mortgage origination files from 2018/01 to 2021/12.</a:t>
             </a:r>
+            <a:endParaRPr lang="en-US" sz="2000" dirty="0"/>
           </a:p>
         </p:txBody>
       </p:sp>
     </p:spTree>
-    <p:extLst>
-      <p:ext uri="{BB962C8B-B14F-4D97-AF65-F5344CB8AC3E}">
-        <p14:creationId xmlns:p14="http://schemas.microsoft.com/office/powerpoint/2010/main" val="1848872785"/>
-      </p:ext>
-    </p:extLst>
   </p:cSld>
   <p:clrMapOvr>
     <a:masterClrMapping/>
@@ -15725,13 +15732,7 @@
       </p:grpSpPr>
       <p:sp>
         <p:nvSpPr>
-          <p:cNvPr id="2" name="Title 1">
-            <a:extLst>
-              <a:ext uri="{FF2B5EF4-FFF2-40B4-BE49-F238E27FC236}">
-                <a16:creationId xmlns:a16="http://schemas.microsoft.com/office/drawing/2014/main" id="{535FC758-87FE-9EEC-AA70-D8B55593D448}"/>
-              </a:ext>
-            </a:extLst>
-          </p:cNvPr>
+          <p:cNvPr id="2" name="Title 1"/>
           <p:cNvSpPr>
             <a:spLocks noGrp="1"/>
           </p:cNvSpPr>
@@ -15751,20 +15752,1020 @@
           <a:p>
             <a:r>
               <a:rPr lang="en-US" dirty="0"/>
-              <a:t>We will compare loan quality in the following aspects</a:t>
+              <a:t>Domain knowledge 1</a:t>
             </a:r>
+            <a:br>
+              <a:rPr lang="en-US" dirty="0"/>
+            </a:br>
+            <a:r>
+              <a:rPr lang="en-US" sz="2800" dirty="0"/>
+              <a:t>- Common property types in the US</a:t>
+            </a:r>
+            <a:endParaRPr lang="en-US" sz="2800" dirty="0"/>
+          </a:p>
+        </p:txBody>
+      </p:sp>
+      <p:pic>
+        <p:nvPicPr>
+          <p:cNvPr id="1026" name="Picture 2" descr="New Single Family Homes for Sale | Ryan Homes"/>
+          <p:cNvPicPr>
+            <a:picLocks noGrp="1" noChangeAspect="1" noChangeArrowheads="1"/>
+          </p:cNvPicPr>
+          <p:nvPr>
+            <p:ph idx="1"/>
+          </p:nvPr>
+        </p:nvPicPr>
+        <p:blipFill>
+          <a:blip r:embed="rId1">
+            <a:extLst>
+              <a:ext uri="{28A0092B-C50C-407E-A947-70E740481C1C}">
+                <a14:useLocalDpi xmlns:a14="http://schemas.microsoft.com/office/drawing/2010/main" val="0"/>
+              </a:ext>
+            </a:extLst>
+          </a:blip>
+          <a:srcRect/>
+          <a:stretch>
+            <a:fillRect/>
+          </a:stretch>
+        </p:blipFill>
+        <p:spPr bwMode="auto">
+          <a:xfrm>
+            <a:off x="420116" y="3323460"/>
+            <a:ext cx="3140501" cy="2093667"/>
+          </a:xfrm>
+          <a:prstGeom prst="rect">
+            <a:avLst/>
+          </a:prstGeom>
+          <a:noFill/>
+          <a:extLst>
+            <a:ext uri="{909E8E84-426E-40DD-AFC4-6F175D3DCCD1}">
+              <a14:hiddenFill xmlns:a14="http://schemas.microsoft.com/office/drawing/2010/main">
+                <a:solidFill>
+                  <a:srgbClr val="FFFFFF"/>
+                </a:solidFill>
+              </a14:hiddenFill>
+            </a:ext>
+          </a:extLst>
+        </p:spPr>
+      </p:pic>
+      <p:sp>
+        <p:nvSpPr>
+          <p:cNvPr id="4" name="TextBox 3"/>
+          <p:cNvSpPr txBox="1"/>
+          <p:nvPr/>
+        </p:nvSpPr>
+        <p:spPr>
+          <a:xfrm>
+            <a:off x="420116" y="2660073"/>
+            <a:ext cx="3543300" cy="369332"/>
+          </a:xfrm>
+          <a:prstGeom prst="rect">
+            <a:avLst/>
+          </a:prstGeom>
+          <a:noFill/>
+        </p:spPr>
+        <p:txBody>
+          <a:bodyPr wrap="square" rtlCol="0">
+            <a:spAutoFit/>
+          </a:bodyPr>
+          <a:lstStyle/>
+          <a:p>
+            <a:r>
+              <a:rPr lang="en-US" dirty="0"/>
+              <a:t>single family home</a:t>
+            </a:r>
+            <a:endParaRPr lang="en-US" dirty="0"/>
+          </a:p>
+        </p:txBody>
+      </p:sp>
+      <p:pic>
+        <p:nvPicPr>
+          <p:cNvPr id="1028" name="Picture 4" descr="Purchasing a Condo vs. Townhome in Denver - Aria Denver Zen"/>
+          <p:cNvPicPr>
+            <a:picLocks noChangeAspect="1" noChangeArrowheads="1"/>
+          </p:cNvPicPr>
+          <p:nvPr/>
+        </p:nvPicPr>
+        <p:blipFill>
+          <a:blip r:embed="rId2">
+            <a:extLst>
+              <a:ext uri="{28A0092B-C50C-407E-A947-70E740481C1C}">
+                <a14:useLocalDpi xmlns:a14="http://schemas.microsoft.com/office/drawing/2010/main" val="0"/>
+              </a:ext>
+            </a:extLst>
+          </a:blip>
+          <a:srcRect/>
+          <a:stretch>
+            <a:fillRect/>
+          </a:stretch>
+        </p:blipFill>
+        <p:spPr bwMode="auto">
+          <a:xfrm>
+            <a:off x="4060399" y="3169581"/>
+            <a:ext cx="3596074" cy="2247546"/>
+          </a:xfrm>
+          <a:prstGeom prst="rect">
+            <a:avLst/>
+          </a:prstGeom>
+          <a:noFill/>
+          <a:extLst>
+            <a:ext uri="{909E8E84-426E-40DD-AFC4-6F175D3DCCD1}">
+              <a14:hiddenFill xmlns:a14="http://schemas.microsoft.com/office/drawing/2010/main">
+                <a:solidFill>
+                  <a:srgbClr val="FFFFFF"/>
+                </a:solidFill>
+              </a14:hiddenFill>
+            </a:ext>
+          </a:extLst>
+        </p:spPr>
+      </p:pic>
+      <p:sp>
+        <p:nvSpPr>
+          <p:cNvPr id="5" name="TextBox 4"/>
+          <p:cNvSpPr txBox="1"/>
+          <p:nvPr/>
+        </p:nvSpPr>
+        <p:spPr>
+          <a:xfrm>
+            <a:off x="4004978" y="2660073"/>
+            <a:ext cx="3543300" cy="369332"/>
+          </a:xfrm>
+          <a:prstGeom prst="rect">
+            <a:avLst/>
+          </a:prstGeom>
+          <a:noFill/>
+        </p:spPr>
+        <p:txBody>
+          <a:bodyPr wrap="square" rtlCol="0">
+            <a:spAutoFit/>
+          </a:bodyPr>
+          <a:lstStyle/>
+          <a:p>
+            <a:r>
+              <a:rPr lang="en-US" dirty="0"/>
+              <a:t>condo</a:t>
+            </a:r>
+            <a:endParaRPr lang="en-US" dirty="0"/>
           </a:p>
         </p:txBody>
       </p:sp>
       <p:sp>
         <p:nvSpPr>
-          <p:cNvPr id="3" name="Content Placeholder 2">
+          <p:cNvPr id="6" name="TextBox 5"/>
+          <p:cNvSpPr txBox="1"/>
+          <p:nvPr/>
+        </p:nvSpPr>
+        <p:spPr>
+          <a:xfrm>
+            <a:off x="7988946" y="2656963"/>
+            <a:ext cx="3543300" cy="369332"/>
+          </a:xfrm>
+          <a:prstGeom prst="rect">
+            <a:avLst/>
+          </a:prstGeom>
+          <a:noFill/>
+        </p:spPr>
+        <p:txBody>
+          <a:bodyPr wrap="square" rtlCol="0">
+            <a:spAutoFit/>
+          </a:bodyPr>
+          <a:lstStyle/>
+          <a:p>
+            <a:r>
+              <a:rPr lang="en-US" dirty="0" err="1"/>
+              <a:t>Pud</a:t>
+            </a:r>
+            <a:r>
+              <a:rPr lang="en-US" dirty="0"/>
+              <a:t>: </a:t>
+            </a:r>
+            <a:r>
+              <a:rPr lang="en-US" sz="1400" dirty="0"/>
+              <a:t>planned unit development</a:t>
+            </a:r>
+            <a:endParaRPr lang="en-US" sz="1400" dirty="0"/>
+          </a:p>
+        </p:txBody>
+      </p:sp>
+      <p:sp>
+        <p:nvSpPr>
+          <p:cNvPr id="7" name="TextBox 6"/>
+          <p:cNvSpPr txBox="1"/>
+          <p:nvPr/>
+        </p:nvSpPr>
+        <p:spPr>
+          <a:xfrm>
+            <a:off x="4029311" y="5650468"/>
+            <a:ext cx="3843450" cy="584775"/>
+          </a:xfrm>
+          <a:prstGeom prst="rect">
+            <a:avLst/>
+          </a:prstGeom>
+          <a:noFill/>
+        </p:spPr>
+        <p:txBody>
+          <a:bodyPr wrap="square" rtlCol="0">
+            <a:spAutoFit/>
+          </a:bodyPr>
+          <a:lstStyle/>
+          <a:p>
+            <a:pPr marL="285750" indent="-285750">
+              <a:buFontTx/>
+              <a:buChar char="-"/>
+            </a:pPr>
+            <a:r>
+              <a:rPr lang="en-US" sz="1600" dirty="0"/>
+              <a:t>Usually without a parking garage.</a:t>
+            </a:r>
+            <a:endParaRPr lang="en-US" sz="1600" dirty="0"/>
+          </a:p>
+          <a:p>
+            <a:r>
+              <a:rPr lang="en-US" sz="1600" dirty="0"/>
+              <a:t>Shared parking space with others. </a:t>
+            </a:r>
+            <a:endParaRPr lang="en-US" sz="1600" dirty="0"/>
+          </a:p>
+        </p:txBody>
+      </p:sp>
+      <p:sp>
+        <p:nvSpPr>
+          <p:cNvPr id="8" name="TextBox 7"/>
+          <p:cNvSpPr txBox="1"/>
+          <p:nvPr/>
+        </p:nvSpPr>
+        <p:spPr>
+          <a:xfrm>
+            <a:off x="7988946" y="5819173"/>
+            <a:ext cx="3543300" cy="584775"/>
+          </a:xfrm>
+          <a:prstGeom prst="rect">
+            <a:avLst/>
+          </a:prstGeom>
+          <a:noFill/>
+        </p:spPr>
+        <p:txBody>
+          <a:bodyPr wrap="square" rtlCol="0">
+            <a:spAutoFit/>
+          </a:bodyPr>
+          <a:lstStyle/>
+          <a:p>
+            <a:r>
+              <a:rPr lang="en-US" sz="1600" dirty="0"/>
+              <a:t>- Townhome or detached condo</a:t>
+            </a:r>
+            <a:endParaRPr lang="en-US" sz="1600" dirty="0"/>
+          </a:p>
+          <a:p>
+            <a:r>
+              <a:rPr lang="en-US" sz="1600" dirty="0"/>
+              <a:t>- Usually with a parking garage</a:t>
+            </a:r>
+            <a:endParaRPr lang="en-US" sz="1600" dirty="0"/>
+          </a:p>
+        </p:txBody>
+      </p:sp>
+      <p:pic>
+        <p:nvPicPr>
+          <p:cNvPr id="1032" name="Picture 8" descr="What Is a PUD (Planned Unit Development)? - MoneyTips"/>
+          <p:cNvPicPr>
+            <a:picLocks noChangeAspect="1" noChangeArrowheads="1"/>
+          </p:cNvPicPr>
+          <p:nvPr/>
+        </p:nvPicPr>
+        <p:blipFill>
+          <a:blip r:embed="rId3">
             <a:extLst>
-              <a:ext uri="{FF2B5EF4-FFF2-40B4-BE49-F238E27FC236}">
-                <a16:creationId xmlns:a16="http://schemas.microsoft.com/office/drawing/2014/main" id="{1C3EF961-1152-C267-B6CD-E0401B185C0A}"/>
+              <a:ext uri="{28A0092B-C50C-407E-A947-70E740481C1C}">
+                <a14:useLocalDpi xmlns:a14="http://schemas.microsoft.com/office/drawing/2010/main" val="0"/>
               </a:ext>
             </a:extLst>
-          </p:cNvPr>
+          </a:blip>
+          <a:srcRect/>
+          <a:stretch>
+            <a:fillRect/>
+          </a:stretch>
+        </p:blipFill>
+        <p:spPr bwMode="auto">
+          <a:xfrm>
+            <a:off x="8156255" y="3169581"/>
+            <a:ext cx="2525992" cy="1690255"/>
+          </a:xfrm>
+          <a:prstGeom prst="rect">
+            <a:avLst/>
+          </a:prstGeom>
+          <a:noFill/>
+          <a:extLst>
+            <a:ext uri="{909E8E84-426E-40DD-AFC4-6F175D3DCCD1}">
+              <a14:hiddenFill xmlns:a14="http://schemas.microsoft.com/office/drawing/2010/main">
+                <a:solidFill>
+                  <a:srgbClr val="FFFFFF"/>
+                </a:solidFill>
+              </a14:hiddenFill>
+            </a:ext>
+          </a:extLst>
+        </p:spPr>
+      </p:pic>
+      <p:pic>
+        <p:nvPicPr>
+          <p:cNvPr id="1038" name="Picture 14" descr="What Are Planned Unit Developments (PUD)? | REtipster.com"/>
+          <p:cNvPicPr>
+            <a:picLocks noChangeAspect="1" noChangeArrowheads="1"/>
+          </p:cNvPicPr>
+          <p:nvPr/>
+        </p:nvPicPr>
+        <p:blipFill>
+          <a:blip r:embed="rId4">
+            <a:extLst>
+              <a:ext uri="{28A0092B-C50C-407E-A947-70E740481C1C}">
+                <a14:useLocalDpi xmlns:a14="http://schemas.microsoft.com/office/drawing/2010/main" val="0"/>
+              </a:ext>
+            </a:extLst>
+          </a:blip>
+          <a:srcRect/>
+          <a:stretch>
+            <a:fillRect/>
+          </a:stretch>
+        </p:blipFill>
+        <p:spPr bwMode="auto">
+          <a:xfrm>
+            <a:off x="9000647" y="4278020"/>
+            <a:ext cx="2900407" cy="1450204"/>
+          </a:xfrm>
+          <a:prstGeom prst="rect">
+            <a:avLst/>
+          </a:prstGeom>
+          <a:noFill/>
+          <a:extLst>
+            <a:ext uri="{909E8E84-426E-40DD-AFC4-6F175D3DCCD1}">
+              <a14:hiddenFill xmlns:a14="http://schemas.microsoft.com/office/drawing/2010/main">
+                <a:solidFill>
+                  <a:srgbClr val="FFFFFF"/>
+                </a:solidFill>
+              </a14:hiddenFill>
+            </a:ext>
+          </a:extLst>
+        </p:spPr>
+      </p:pic>
+    </p:spTree>
+  </p:cSld>
+  <p:clrMapOvr>
+    <a:masterClrMapping/>
+  </p:clrMapOvr>
+</p:sld>
+</file>
+
+<file path=ppt/slides/slide5.xml><?xml version="1.0" encoding="utf-8"?>
+<p:sld xmlns:a="http://schemas.openxmlformats.org/drawingml/2006/main" xmlns:r="http://schemas.openxmlformats.org/officeDocument/2006/relationships" xmlns:p="http://schemas.openxmlformats.org/presentationml/2006/main">
+  <p:cSld>
+    <p:spTree>
+      <p:nvGrpSpPr>
+        <p:cNvPr id="1" name=""/>
+        <p:cNvGrpSpPr/>
+        <p:nvPr/>
+      </p:nvGrpSpPr>
+      <p:grpSpPr>
+        <a:xfrm>
+          <a:off x="0" y="0"/>
+          <a:ext cx="0" cy="0"/>
+          <a:chOff x="0" y="0"/>
+          <a:chExt cx="0" cy="0"/>
+        </a:xfrm>
+      </p:grpSpPr>
+      <p:sp>
+        <p:nvSpPr>
+          <p:cNvPr id="2" name="Title 1"/>
+          <p:cNvSpPr>
+            <a:spLocks noGrp="1"/>
+          </p:cNvSpPr>
+          <p:nvPr>
+            <p:ph type="title"/>
+          </p:nvPr>
+        </p:nvSpPr>
+        <p:spPr>
+          <a:xfrm>
+            <a:off x="836613" y="838200"/>
+            <a:ext cx="10163896" cy="1263649"/>
+          </a:xfrm>
+        </p:spPr>
+        <p:txBody>
+          <a:bodyPr/>
+          <a:lstStyle/>
+          <a:p>
+            <a:r>
+              <a:rPr lang="en-US" dirty="0"/>
+              <a:t>Domain knowledge 3</a:t>
+            </a:r>
+            <a:br>
+              <a:rPr lang="en-US" dirty="0"/>
+            </a:br>
+            <a:r>
+              <a:rPr lang="en-US" sz="2800" dirty="0"/>
+              <a:t>- Terms used to define loan performance</a:t>
+            </a:r>
+            <a:endParaRPr lang="en-US" sz="2800" dirty="0"/>
+          </a:p>
+        </p:txBody>
+      </p:sp>
+      <p:sp>
+        <p:nvSpPr>
+          <p:cNvPr id="3" name="Content Placeholder 2"/>
+          <p:cNvSpPr>
+            <a:spLocks noGrp="1"/>
+          </p:cNvSpPr>
+          <p:nvPr>
+            <p:ph idx="1"/>
+          </p:nvPr>
+        </p:nvSpPr>
+        <p:spPr>
+          <a:xfrm>
+            <a:off x="489744" y="2341852"/>
+            <a:ext cx="11212512" cy="3248842"/>
+          </a:xfrm>
+        </p:spPr>
+        <p:txBody>
+          <a:bodyPr>
+            <a:noAutofit/>
+          </a:bodyPr>
+          <a:lstStyle/>
+          <a:p>
+            <a:pPr marR="0">
+              <a:lnSpc>
+                <a:spcPct val="115000"/>
+              </a:lnSpc>
+              <a:spcBef>
+                <a:spcPts val="0"/>
+              </a:spcBef>
+              <a:spcAft>
+                <a:spcPts val="0"/>
+              </a:spcAft>
+              <a:buFont typeface="Wingdings" panose="05000000000000000000" pitchFamily="2" charset="2"/>
+              <a:buChar char="Ø"/>
+            </a:pPr>
+            <a:r>
+              <a:rPr lang="en-US" sz="2000" dirty="0">
+                <a:effectLst/>
+                <a:latin typeface="Calibri" panose="020F0502020204030204" pitchFamily="34" charset="0"/>
+                <a:ea typeface="Times New Roman" panose="02020603050405020304" pitchFamily="18" charset="0"/>
+              </a:rPr>
+              <a:t>Current: in good standing. A borrower pays online every month.</a:t>
+            </a:r>
+            <a:endParaRPr lang="en-US" sz="1800" dirty="0">
+              <a:effectLst/>
+              <a:latin typeface="Calibri" panose="020F0502020204030204" pitchFamily="34" charset="0"/>
+              <a:ea typeface="Times New Roman" panose="02020603050405020304" pitchFamily="18" charset="0"/>
+            </a:endParaRPr>
+          </a:p>
+          <a:p>
+            <a:pPr marR="0">
+              <a:lnSpc>
+                <a:spcPct val="115000"/>
+              </a:lnSpc>
+              <a:spcBef>
+                <a:spcPts val="0"/>
+              </a:spcBef>
+              <a:spcAft>
+                <a:spcPts val="0"/>
+              </a:spcAft>
+              <a:buFont typeface="Wingdings" panose="05000000000000000000" pitchFamily="2" charset="2"/>
+              <a:buChar char="Ø"/>
+            </a:pPr>
+            <a:r>
+              <a:rPr lang="en-US" sz="2000" dirty="0">
+                <a:effectLst/>
+                <a:latin typeface="Calibri" panose="020F0502020204030204" pitchFamily="34" charset="0"/>
+                <a:ea typeface="Times New Roman" panose="02020603050405020304" pitchFamily="18" charset="0"/>
+              </a:rPr>
+              <a:t>Delinquency</a:t>
+            </a:r>
+            <a:endParaRPr lang="en-US" sz="2000" dirty="0">
+              <a:effectLst/>
+              <a:latin typeface="Calibri" panose="020F0502020204030204" pitchFamily="34" charset="0"/>
+              <a:ea typeface="Times New Roman" panose="02020603050405020304" pitchFamily="18" charset="0"/>
+            </a:endParaRPr>
+          </a:p>
+          <a:p>
+            <a:pPr lvl="1">
+              <a:lnSpc>
+                <a:spcPct val="115000"/>
+              </a:lnSpc>
+              <a:spcBef>
+                <a:spcPts val="0"/>
+              </a:spcBef>
+              <a:buFont typeface="Wingdings" panose="05000000000000000000" pitchFamily="2" charset="2"/>
+              <a:buChar char="Ø"/>
+            </a:pPr>
+            <a:r>
+              <a:rPr lang="en-US" sz="1800" dirty="0">
+                <a:latin typeface="Calibri" panose="020F0502020204030204" pitchFamily="34" charset="0"/>
+                <a:ea typeface="Times New Roman" panose="02020603050405020304" pitchFamily="18" charset="0"/>
+              </a:rPr>
+              <a:t>Bucket 1: 30-day past due</a:t>
+            </a:r>
+            <a:endParaRPr lang="en-US" sz="1800" dirty="0">
+              <a:latin typeface="Calibri" panose="020F0502020204030204" pitchFamily="34" charset="0"/>
+              <a:ea typeface="Times New Roman" panose="02020603050405020304" pitchFamily="18" charset="0"/>
+            </a:endParaRPr>
+          </a:p>
+          <a:p>
+            <a:pPr lvl="1">
+              <a:lnSpc>
+                <a:spcPct val="115000"/>
+              </a:lnSpc>
+              <a:spcBef>
+                <a:spcPts val="0"/>
+              </a:spcBef>
+              <a:buFont typeface="Wingdings" panose="05000000000000000000" pitchFamily="2" charset="2"/>
+              <a:buChar char="Ø"/>
+            </a:pPr>
+            <a:r>
+              <a:rPr lang="en-US" sz="1800" dirty="0">
+                <a:effectLst/>
+                <a:latin typeface="Calibri" panose="020F0502020204030204" pitchFamily="34" charset="0"/>
+                <a:ea typeface="Times New Roman" panose="02020603050405020304" pitchFamily="18" charset="0"/>
+              </a:rPr>
+              <a:t>Bucket 2: 60-day past due</a:t>
+            </a:r>
+            <a:endParaRPr lang="en-US" sz="1800" dirty="0">
+              <a:effectLst/>
+              <a:latin typeface="Calibri" panose="020F0502020204030204" pitchFamily="34" charset="0"/>
+              <a:ea typeface="Times New Roman" panose="02020603050405020304" pitchFamily="18" charset="0"/>
+            </a:endParaRPr>
+          </a:p>
+          <a:p>
+            <a:pPr lvl="1">
+              <a:lnSpc>
+                <a:spcPct val="115000"/>
+              </a:lnSpc>
+              <a:spcBef>
+                <a:spcPts val="0"/>
+              </a:spcBef>
+              <a:buFont typeface="Wingdings" panose="05000000000000000000" pitchFamily="2" charset="2"/>
+              <a:buChar char="Ø"/>
+            </a:pPr>
+            <a:r>
+              <a:rPr lang="en-US" sz="1800" dirty="0">
+                <a:latin typeface="Calibri" panose="020F0502020204030204" pitchFamily="34" charset="0"/>
+                <a:ea typeface="Times New Roman" panose="02020603050405020304" pitchFamily="18" charset="0"/>
+              </a:rPr>
+              <a:t>……</a:t>
+            </a:r>
+            <a:endParaRPr lang="en-US" sz="1800" dirty="0">
+              <a:latin typeface="Calibri" panose="020F0502020204030204" pitchFamily="34" charset="0"/>
+              <a:ea typeface="Times New Roman" panose="02020603050405020304" pitchFamily="18" charset="0"/>
+            </a:endParaRPr>
+          </a:p>
+          <a:p>
+            <a:pPr lvl="1">
+              <a:lnSpc>
+                <a:spcPct val="115000"/>
+              </a:lnSpc>
+              <a:spcBef>
+                <a:spcPts val="0"/>
+              </a:spcBef>
+              <a:buFont typeface="Wingdings" panose="05000000000000000000" pitchFamily="2" charset="2"/>
+              <a:buChar char="Ø"/>
+            </a:pPr>
+            <a:r>
+              <a:rPr lang="en-US" sz="1800" dirty="0">
+                <a:effectLst/>
+                <a:latin typeface="Calibri" panose="020F0502020204030204" pitchFamily="34" charset="0"/>
+                <a:ea typeface="Times New Roman" panose="02020603050405020304" pitchFamily="18" charset="0"/>
+              </a:rPr>
+              <a:t>Bucket 6 (charge off): 180 day past due</a:t>
+            </a:r>
+            <a:endParaRPr lang="en-US" sz="1000" dirty="0">
+              <a:effectLst/>
+              <a:latin typeface="Calibri" panose="020F0502020204030204" pitchFamily="34" charset="0"/>
+              <a:ea typeface="Times New Roman" panose="02020603050405020304" pitchFamily="18" charset="0"/>
+            </a:endParaRPr>
+          </a:p>
+          <a:p>
+            <a:pPr marR="0">
+              <a:lnSpc>
+                <a:spcPct val="115000"/>
+              </a:lnSpc>
+              <a:spcBef>
+                <a:spcPts val="0"/>
+              </a:spcBef>
+              <a:spcAft>
+                <a:spcPts val="0"/>
+              </a:spcAft>
+              <a:buFont typeface="Wingdings" panose="05000000000000000000" pitchFamily="2" charset="2"/>
+              <a:buChar char="Ø"/>
+            </a:pPr>
+            <a:r>
+              <a:rPr lang="en-US" sz="2000" dirty="0">
+                <a:effectLst/>
+                <a:latin typeface="Calibri" panose="020F0502020204030204" pitchFamily="34" charset="0"/>
+                <a:ea typeface="Times New Roman" panose="02020603050405020304" pitchFamily="18" charset="0"/>
+              </a:rPr>
+              <a:t>Foreclosure: when a borrower fails to make payments for too many months, the lender (usually a </a:t>
+            </a:r>
+            <a:r>
+              <a:rPr lang="en-US" sz="2000" dirty="0">
+                <a:latin typeface="Calibri" panose="020F0502020204030204" pitchFamily="34" charset="0"/>
+                <a:ea typeface="Times New Roman" panose="02020603050405020304" pitchFamily="18" charset="0"/>
+              </a:rPr>
+              <a:t>bank) seizes the property for repossession.  That is, the borrower loses the house.</a:t>
+            </a:r>
+            <a:endParaRPr lang="en-US" sz="2000" dirty="0">
+              <a:latin typeface="Calibri" panose="020F0502020204030204" pitchFamily="34" charset="0"/>
+              <a:ea typeface="Times New Roman" panose="02020603050405020304" pitchFamily="18" charset="0"/>
+            </a:endParaRPr>
+          </a:p>
+          <a:p>
+            <a:pPr marR="0">
+              <a:lnSpc>
+                <a:spcPct val="115000"/>
+              </a:lnSpc>
+              <a:spcBef>
+                <a:spcPts val="0"/>
+              </a:spcBef>
+              <a:spcAft>
+                <a:spcPts val="0"/>
+              </a:spcAft>
+              <a:buFont typeface="Wingdings" panose="05000000000000000000" pitchFamily="2" charset="2"/>
+              <a:buChar char="Ø"/>
+            </a:pPr>
+            <a:endParaRPr lang="en-US" sz="2000" dirty="0">
+              <a:latin typeface="Calibri" panose="020F0502020204030204" pitchFamily="34" charset="0"/>
+              <a:ea typeface="Times New Roman" panose="02020603050405020304" pitchFamily="18" charset="0"/>
+            </a:endParaRPr>
+          </a:p>
+          <a:p>
+            <a:pPr marR="0">
+              <a:lnSpc>
+                <a:spcPct val="115000"/>
+              </a:lnSpc>
+              <a:spcBef>
+                <a:spcPts val="0"/>
+              </a:spcBef>
+              <a:spcAft>
+                <a:spcPts val="0"/>
+              </a:spcAft>
+              <a:buFont typeface="Wingdings" panose="05000000000000000000" pitchFamily="2" charset="2"/>
+              <a:buChar char="Ø"/>
+            </a:pPr>
+            <a:r>
+              <a:rPr lang="en-US" sz="2000" dirty="0">
+                <a:latin typeface="Calibri" panose="020F0502020204030204" pitchFamily="34" charset="0"/>
+                <a:ea typeface="Times New Roman" panose="02020603050405020304" pitchFamily="18" charset="0"/>
+              </a:rPr>
+              <a:t>Forbearance: When a borrower encounters some financial stress, he/she negotiates with the borrower for a more lenient term (lower interest rate, pause of payments for some months, temporary paying for interest only, short sale, etc.)</a:t>
+            </a:r>
+            <a:endParaRPr lang="en-US" sz="2000" dirty="0">
+              <a:latin typeface="Calibri" panose="020F0502020204030204" pitchFamily="34" charset="0"/>
+              <a:ea typeface="Times New Roman" panose="02020603050405020304" pitchFamily="18" charset="0"/>
+            </a:endParaRPr>
+          </a:p>
+          <a:p>
+            <a:pPr marL="0" marR="0" indent="0">
+              <a:lnSpc>
+                <a:spcPct val="115000"/>
+              </a:lnSpc>
+              <a:spcBef>
+                <a:spcPts val="0"/>
+              </a:spcBef>
+              <a:spcAft>
+                <a:spcPts val="0"/>
+              </a:spcAft>
+              <a:buNone/>
+            </a:pPr>
+            <a:endParaRPr lang="en-US" sz="2000" dirty="0">
+              <a:latin typeface="Calibri" panose="020F0502020204030204" pitchFamily="34" charset="0"/>
+              <a:ea typeface="Times New Roman" panose="02020603050405020304" pitchFamily="18" charset="0"/>
+            </a:endParaRPr>
+          </a:p>
+          <a:p>
+            <a:pPr marL="0" marR="0" indent="0">
+              <a:lnSpc>
+                <a:spcPct val="115000"/>
+              </a:lnSpc>
+              <a:spcBef>
+                <a:spcPts val="0"/>
+              </a:spcBef>
+              <a:spcAft>
+                <a:spcPts val="0"/>
+              </a:spcAft>
+              <a:buNone/>
+            </a:pPr>
+            <a:endParaRPr lang="en-US" sz="2000" dirty="0">
+              <a:latin typeface="Calibri" panose="020F0502020204030204" pitchFamily="34" charset="0"/>
+              <a:ea typeface="Times New Roman" panose="02020603050405020304" pitchFamily="18" charset="0"/>
+            </a:endParaRPr>
+          </a:p>
+          <a:p>
+            <a:pPr marL="0" marR="0" indent="0">
+              <a:lnSpc>
+                <a:spcPct val="115000"/>
+              </a:lnSpc>
+              <a:spcBef>
+                <a:spcPts val="0"/>
+              </a:spcBef>
+              <a:spcAft>
+                <a:spcPts val="0"/>
+              </a:spcAft>
+              <a:buNone/>
+            </a:pPr>
+            <a:endParaRPr lang="en-US" sz="2000" dirty="0">
+              <a:latin typeface="Calibri" panose="020F0502020204030204" pitchFamily="34" charset="0"/>
+              <a:ea typeface="Times New Roman" panose="02020603050405020304" pitchFamily="18" charset="0"/>
+            </a:endParaRPr>
+          </a:p>
+          <a:p>
+            <a:pPr marR="0">
+              <a:lnSpc>
+                <a:spcPct val="115000"/>
+              </a:lnSpc>
+              <a:spcBef>
+                <a:spcPts val="0"/>
+              </a:spcBef>
+              <a:spcAft>
+                <a:spcPts val="0"/>
+              </a:spcAft>
+              <a:buFont typeface="Wingdings" panose="05000000000000000000" pitchFamily="2" charset="2"/>
+              <a:buChar char="Ø"/>
+            </a:pPr>
+            <a:endParaRPr lang="en-US" sz="2000" dirty="0">
+              <a:latin typeface="Calibri" panose="020F0502020204030204" pitchFamily="34" charset="0"/>
+              <a:ea typeface="Times New Roman" panose="02020603050405020304" pitchFamily="18" charset="0"/>
+            </a:endParaRPr>
+          </a:p>
+          <a:p>
+            <a:pPr marR="0">
+              <a:lnSpc>
+                <a:spcPct val="115000"/>
+              </a:lnSpc>
+              <a:spcBef>
+                <a:spcPts val="0"/>
+              </a:spcBef>
+              <a:spcAft>
+                <a:spcPts val="0"/>
+              </a:spcAft>
+              <a:buFont typeface="Wingdings" panose="05000000000000000000" pitchFamily="2" charset="2"/>
+              <a:buChar char="Ø"/>
+            </a:pPr>
+            <a:endParaRPr lang="en-US" sz="2000" dirty="0">
+              <a:latin typeface="Calibri" panose="020F0502020204030204" pitchFamily="34" charset="0"/>
+              <a:ea typeface="Times New Roman" panose="02020603050405020304" pitchFamily="18" charset="0"/>
+            </a:endParaRPr>
+          </a:p>
+          <a:p>
+            <a:pPr marL="0" marR="0" indent="0">
+              <a:lnSpc>
+                <a:spcPct val="115000"/>
+              </a:lnSpc>
+              <a:spcBef>
+                <a:spcPts val="0"/>
+              </a:spcBef>
+              <a:spcAft>
+                <a:spcPts val="0"/>
+              </a:spcAft>
+              <a:buNone/>
+            </a:pPr>
+            <a:endParaRPr lang="en-US" sz="2000" dirty="0">
+              <a:latin typeface="Calibri" panose="020F0502020204030204" pitchFamily="34" charset="0"/>
+              <a:ea typeface="Times New Roman" panose="02020603050405020304" pitchFamily="18" charset="0"/>
+            </a:endParaRPr>
+          </a:p>
+          <a:p>
+            <a:pPr marR="0">
+              <a:lnSpc>
+                <a:spcPct val="115000"/>
+              </a:lnSpc>
+              <a:spcBef>
+                <a:spcPts val="0"/>
+              </a:spcBef>
+              <a:spcAft>
+                <a:spcPts val="0"/>
+              </a:spcAft>
+              <a:buFont typeface="Wingdings" panose="05000000000000000000" pitchFamily="2" charset="2"/>
+              <a:buChar char="Ø"/>
+            </a:pPr>
+            <a:endParaRPr lang="en-US" sz="2000" dirty="0">
+              <a:latin typeface="Calibri" panose="020F0502020204030204" pitchFamily="34" charset="0"/>
+              <a:ea typeface="Times New Roman" panose="02020603050405020304" pitchFamily="18" charset="0"/>
+            </a:endParaRPr>
+          </a:p>
+          <a:p>
+            <a:pPr marL="0" marR="0" indent="0">
+              <a:lnSpc>
+                <a:spcPct val="115000"/>
+              </a:lnSpc>
+              <a:spcBef>
+                <a:spcPts val="0"/>
+              </a:spcBef>
+              <a:spcAft>
+                <a:spcPts val="0"/>
+              </a:spcAft>
+              <a:buNone/>
+            </a:pPr>
+            <a:r>
+              <a:rPr lang="en-US" sz="2000" dirty="0">
+                <a:latin typeface="Calibri" panose="020F0502020204030204" pitchFamily="34" charset="0"/>
+                <a:ea typeface="Times New Roman" panose="02020603050405020304" pitchFamily="18" charset="0"/>
+              </a:rPr>
+              <a:t> </a:t>
+            </a:r>
+            <a:endParaRPr lang="en-US" sz="2000" dirty="0">
+              <a:effectLst/>
+              <a:latin typeface="Calibri" panose="020F0502020204030204" pitchFamily="34" charset="0"/>
+              <a:ea typeface="Times New Roman" panose="02020603050405020304" pitchFamily="18" charset="0"/>
+            </a:endParaRPr>
+          </a:p>
+          <a:p>
+            <a:pPr marR="0">
+              <a:lnSpc>
+                <a:spcPct val="115000"/>
+              </a:lnSpc>
+              <a:spcBef>
+                <a:spcPts val="0"/>
+              </a:spcBef>
+              <a:spcAft>
+                <a:spcPts val="0"/>
+              </a:spcAft>
+              <a:buFont typeface="Wingdings" panose="05000000000000000000" pitchFamily="2" charset="2"/>
+              <a:buChar char="Ø"/>
+            </a:pPr>
+            <a:endParaRPr lang="en-US" sz="1600" dirty="0">
+              <a:effectLst/>
+              <a:latin typeface="Calibri" panose="020F0502020204030204" pitchFamily="34" charset="0"/>
+              <a:ea typeface="Times New Roman" panose="02020603050405020304" pitchFamily="18" charset="0"/>
+            </a:endParaRPr>
+          </a:p>
+          <a:p>
+            <a:pPr marR="0">
+              <a:lnSpc>
+                <a:spcPct val="115000"/>
+              </a:lnSpc>
+              <a:spcBef>
+                <a:spcPts val="0"/>
+              </a:spcBef>
+              <a:spcAft>
+                <a:spcPts val="0"/>
+              </a:spcAft>
+              <a:buFont typeface="Wingdings" panose="05000000000000000000" pitchFamily="2" charset="2"/>
+              <a:buChar char="Ø"/>
+            </a:pPr>
+            <a:endParaRPr lang="en-US" sz="1600" dirty="0">
+              <a:latin typeface="Calibri" panose="020F0502020204030204" pitchFamily="34" charset="0"/>
+              <a:ea typeface="Times New Roman" panose="02020603050405020304" pitchFamily="18" charset="0"/>
+            </a:endParaRPr>
+          </a:p>
+          <a:p>
+            <a:pPr marR="0">
+              <a:lnSpc>
+                <a:spcPct val="115000"/>
+              </a:lnSpc>
+              <a:spcBef>
+                <a:spcPts val="0"/>
+              </a:spcBef>
+              <a:spcAft>
+                <a:spcPts val="0"/>
+              </a:spcAft>
+              <a:buFont typeface="Wingdings" panose="05000000000000000000" pitchFamily="2" charset="2"/>
+              <a:buChar char="Ø"/>
+            </a:pPr>
+            <a:endParaRPr lang="en-US" sz="1600" dirty="0">
+              <a:effectLst/>
+              <a:latin typeface="Calibri" panose="020F0502020204030204" pitchFamily="34" charset="0"/>
+              <a:ea typeface="Times New Roman" panose="02020603050405020304" pitchFamily="18" charset="0"/>
+            </a:endParaRPr>
+          </a:p>
+        </p:txBody>
+      </p:sp>
+      <p:sp>
+        <p:nvSpPr>
+          <p:cNvPr id="4" name="Right Brace 3"/>
+          <p:cNvSpPr/>
+          <p:nvPr/>
+        </p:nvSpPr>
+        <p:spPr>
+          <a:xfrm>
+            <a:off x="7582829" y="2620537"/>
+            <a:ext cx="334537" cy="1572322"/>
+          </a:xfrm>
+          <a:prstGeom prst="rightBrace">
+            <a:avLst/>
+          </a:prstGeom>
+        </p:spPr>
+        <p:style>
+          <a:lnRef idx="1">
+            <a:schemeClr val="accent1"/>
+          </a:lnRef>
+          <a:fillRef idx="0">
+            <a:schemeClr val="accent1"/>
+          </a:fillRef>
+          <a:effectRef idx="0">
+            <a:schemeClr val="accent1"/>
+          </a:effectRef>
+          <a:fontRef idx="minor">
+            <a:schemeClr val="tx1"/>
+          </a:fontRef>
+        </p:style>
+        <p:txBody>
+          <a:bodyPr rtlCol="0" anchor="ctr"/>
+          <a:lstStyle/>
+          <a:p>
+            <a:pPr algn="ctr"/>
+            <a:endParaRPr lang="en-US"/>
+          </a:p>
+        </p:txBody>
+      </p:sp>
+      <p:sp>
+        <p:nvSpPr>
+          <p:cNvPr id="5" name="TextBox 4"/>
+          <p:cNvSpPr txBox="1"/>
+          <p:nvPr/>
+        </p:nvSpPr>
+        <p:spPr>
+          <a:xfrm>
+            <a:off x="8145966" y="2949498"/>
+            <a:ext cx="3652024" cy="830997"/>
+          </a:xfrm>
+          <a:prstGeom prst="rect">
+            <a:avLst/>
+          </a:prstGeom>
+          <a:noFill/>
+        </p:spPr>
+        <p:txBody>
+          <a:bodyPr wrap="square" rtlCol="0">
+            <a:spAutoFit/>
+          </a:bodyPr>
+          <a:lstStyle/>
+          <a:p>
+            <a:r>
+              <a:rPr lang="en-US" sz="1600" dirty="0"/>
+              <a:t>Also used for credit card, car loans, student loans, car loans and personal loans</a:t>
+            </a:r>
+            <a:endParaRPr lang="en-US" sz="1600" dirty="0"/>
+          </a:p>
+        </p:txBody>
+      </p:sp>
+    </p:spTree>
+  </p:cSld>
+  <p:clrMapOvr>
+    <a:masterClrMapping/>
+  </p:clrMapOvr>
+</p:sld>
+</file>
+
+<file path=ppt/slides/slide6.xml><?xml version="1.0" encoding="utf-8"?>
+<p:sld xmlns:a="http://schemas.openxmlformats.org/drawingml/2006/main" xmlns:r="http://schemas.openxmlformats.org/officeDocument/2006/relationships" xmlns:p="http://schemas.openxmlformats.org/presentationml/2006/main">
+  <p:cSld>
+    <p:spTree>
+      <p:nvGrpSpPr>
+        <p:cNvPr id="1" name=""/>
+        <p:cNvGrpSpPr/>
+        <p:nvPr/>
+      </p:nvGrpSpPr>
+      <p:grpSpPr>
+        <a:xfrm>
+          <a:off x="0" y="0"/>
+          <a:ext cx="0" cy="0"/>
+          <a:chOff x="0" y="0"/>
+          <a:chExt cx="0" cy="0"/>
+        </a:xfrm>
+      </p:grpSpPr>
+      <p:sp>
+        <p:nvSpPr>
+          <p:cNvPr id="2" name="Title 1"/>
+          <p:cNvSpPr>
+            <a:spLocks noGrp="1"/>
+          </p:cNvSpPr>
+          <p:nvPr>
+            <p:ph type="title"/>
+          </p:nvPr>
+        </p:nvSpPr>
+        <p:spPr>
+          <a:xfrm>
+            <a:off x="836613" y="838200"/>
+            <a:ext cx="10163896" cy="1263649"/>
+          </a:xfrm>
+        </p:spPr>
+        <p:txBody>
+          <a:bodyPr/>
+          <a:lstStyle/>
+          <a:p>
+            <a:r>
+              <a:rPr lang="en-US" dirty="0"/>
+              <a:t>Domain knowledge 2</a:t>
+            </a:r>
+            <a:br>
+              <a:rPr lang="en-US" dirty="0"/>
+            </a:br>
+            <a:r>
+              <a:rPr lang="en-US" sz="2800" dirty="0"/>
+              <a:t>- Factors used in considering a loan application</a:t>
+            </a:r>
+            <a:endParaRPr lang="en-US" sz="2800" dirty="0"/>
+          </a:p>
+        </p:txBody>
+      </p:sp>
+      <p:sp>
+        <p:nvSpPr>
+          <p:cNvPr id="3" name="Content Placeholder 2"/>
           <p:cNvSpPr>
             <a:spLocks noGrp="1"/>
           </p:cNvSpPr>
@@ -15833,6 +16834,11 @@
               </a:rPr>
               <a:t>Loan Purpose</a:t>
             </a:r>
+            <a:endParaRPr lang="en-US" sz="2000" dirty="0">
+              <a:effectLst/>
+              <a:latin typeface="Calibri" panose="020F0502020204030204" pitchFamily="34" charset="0"/>
+              <a:ea typeface="Times New Roman" panose="02020603050405020304" pitchFamily="18" charset="0"/>
+            </a:endParaRPr>
           </a:p>
           <a:p>
             <a:pPr lvl="1">
@@ -15888,6 +16894,10 @@
               </a:rPr>
               <a:t>Relocation to a new place</a:t>
             </a:r>
+            <a:endParaRPr lang="en-US" sz="1200" dirty="0">
+              <a:latin typeface="Calibri" panose="020F0502020204030204" pitchFamily="34" charset="0"/>
+              <a:ea typeface="Times New Roman" panose="02020603050405020304" pitchFamily="18" charset="0"/>
+            </a:endParaRPr>
           </a:p>
           <a:p>
             <a:pPr marL="457200" lvl="1" indent="0">
@@ -15906,6 +16916,10 @@
               </a:rPr>
               <a:t>	Getting married</a:t>
             </a:r>
+            <a:endParaRPr lang="en-US" sz="1200" dirty="0">
+              <a:latin typeface="Calibri" panose="020F0502020204030204" pitchFamily="34" charset="0"/>
+              <a:ea typeface="Times New Roman" panose="02020603050405020304" pitchFamily="18" charset="0"/>
+            </a:endParaRPr>
           </a:p>
           <a:p>
             <a:pPr lvl="1">
@@ -15933,6 +16947,10 @@
               </a:rPr>
               <a:t>refinance (very sensitive to interest rate)</a:t>
             </a:r>
+            <a:endParaRPr lang="en-US" sz="1400" dirty="0">
+              <a:latin typeface="Calibri" panose="020F0502020204030204" pitchFamily="34" charset="0"/>
+              <a:ea typeface="Times New Roman" panose="02020603050405020304" pitchFamily="18" charset="0"/>
+            </a:endParaRPr>
           </a:p>
           <a:p>
             <a:pPr marL="457200" lvl="1" indent="0">
@@ -15997,6 +17015,11 @@
               </a:rPr>
               <a:t>sensitive to interest rate)</a:t>
             </a:r>
+            <a:endParaRPr lang="en-US" sz="1400" dirty="0">
+              <a:effectLst/>
+              <a:latin typeface="Calibri" panose="020F0502020204030204" pitchFamily="34" charset="0"/>
+              <a:ea typeface="Times New Roman" panose="02020603050405020304" pitchFamily="18" charset="0"/>
+            </a:endParaRPr>
           </a:p>
           <a:p>
             <a:pPr marL="457200" lvl="1" indent="0">
@@ -16022,6 +17045,10 @@
               </a:rPr>
               <a:t>Example: A house of $1mm with $600 in unpaid principal (loan amount).</a:t>
             </a:r>
+            <a:endParaRPr lang="en-US" sz="1200" dirty="0">
+              <a:latin typeface="Calibri" panose="020F0502020204030204" pitchFamily="34" charset="0"/>
+              <a:ea typeface="Times New Roman" panose="02020603050405020304" pitchFamily="18" charset="0"/>
+            </a:endParaRPr>
           </a:p>
           <a:p>
             <a:pPr marL="457200" lvl="1" indent="0">
@@ -16041,6 +17068,11 @@
               </a:rPr>
               <a:t>		    The borrower can get $50K from the bank to finance remodeling.</a:t>
             </a:r>
+            <a:endParaRPr lang="en-US" sz="1200" dirty="0">
+              <a:effectLst/>
+              <a:latin typeface="Calibri" panose="020F0502020204030204" pitchFamily="34" charset="0"/>
+              <a:ea typeface="Times New Roman" panose="02020603050405020304" pitchFamily="18" charset="0"/>
+            </a:endParaRPr>
           </a:p>
           <a:p>
             <a:pPr marL="457200" lvl="1" indent="0">
@@ -16087,6 +17119,11 @@
               </a:rPr>
               <a:t>Interest only loans (no payment for principal)</a:t>
             </a:r>
+            <a:endParaRPr lang="en-US" sz="2000" dirty="0">
+              <a:effectLst/>
+              <a:latin typeface="Calibri" panose="020F0502020204030204" pitchFamily="34" charset="0"/>
+              <a:ea typeface="Times New Roman" panose="02020603050405020304" pitchFamily="18" charset="0"/>
+            </a:endParaRPr>
           </a:p>
           <a:p>
             <a:pPr marR="0">
@@ -16107,8 +17144,12 @@
                 <a:latin typeface="Calibri" panose="020F0502020204030204" pitchFamily="34" charset="0"/>
                 <a:ea typeface="Times New Roman" panose="02020603050405020304" pitchFamily="18" charset="0"/>
               </a:rPr>
-              <a:t>LTV (loan-to-value ratio)</a:t>
+              <a:t>LTV (loan-to-value ratio)  &lt;= 80%</a:t>
             </a:r>
+            <a:endParaRPr lang="en-US" sz="2000" dirty="0">
+              <a:latin typeface="Calibri" panose="020F0502020204030204" pitchFamily="34" charset="0"/>
+              <a:ea typeface="Times New Roman" panose="02020603050405020304" pitchFamily="18" charset="0"/>
+            </a:endParaRPr>
           </a:p>
           <a:p>
             <a:pPr marL="0" marR="0" indent="0">
@@ -16137,6 +17178,10 @@
               </a:rPr>
               <a:t>LTV=loan amount / house selling value</a:t>
             </a:r>
+            <a:endParaRPr lang="en-US" sz="1400" dirty="0">
+              <a:latin typeface="Calibri" panose="020F0502020204030204" pitchFamily="34" charset="0"/>
+              <a:ea typeface="Times New Roman" panose="02020603050405020304" pitchFamily="18" charset="0"/>
+            </a:endParaRPr>
           </a:p>
           <a:p>
             <a:pPr marR="0">
@@ -16157,8 +17202,12 @@
                 <a:latin typeface="Calibri" panose="020F0502020204030204" pitchFamily="34" charset="0"/>
                 <a:ea typeface="Times New Roman" panose="02020603050405020304" pitchFamily="18" charset="0"/>
               </a:rPr>
-              <a:t>DTI (debt-to-income ratio)</a:t>
+              <a:t>DTI (debt-to-income ratio) &lt;= 42%</a:t>
             </a:r>
+            <a:endParaRPr lang="en-US" sz="2000" dirty="0">
+              <a:latin typeface="Calibri" panose="020F0502020204030204" pitchFamily="34" charset="0"/>
+              <a:ea typeface="Times New Roman" panose="02020603050405020304" pitchFamily="18" charset="0"/>
+            </a:endParaRPr>
           </a:p>
           <a:p>
             <a:pPr marL="0" marR="0" indent="0">
@@ -16187,27 +17236,26 @@
                 <a:latin typeface="Calibri" panose="020F0502020204030204" pitchFamily="34" charset="0"/>
                 <a:ea typeface="Times New Roman" panose="02020603050405020304" pitchFamily="18" charset="0"/>
               </a:rPr>
-              <a:t>DTI=debt payment /Income</a:t>
+              <a:t>DTI=debt payment /Income (pre tax income)</a:t>
             </a:r>
+            <a:endParaRPr lang="en-US" sz="1600" dirty="0">
+              <a:effectLst/>
+              <a:latin typeface="Calibri" panose="020F0502020204030204" pitchFamily="34" charset="0"/>
+              <a:ea typeface="Times New Roman" panose="02020603050405020304" pitchFamily="18" charset="0"/>
+            </a:endParaRPr>
           </a:p>
         </p:txBody>
       </p:sp>
       <p:pic>
         <p:nvPicPr>
-          <p:cNvPr id="1026" name="Picture 2">
-            <a:extLst>
-              <a:ext uri="{FF2B5EF4-FFF2-40B4-BE49-F238E27FC236}">
-                <a16:creationId xmlns:a16="http://schemas.microsoft.com/office/drawing/2014/main" id="{7FF54116-595C-FADF-4DB8-F738EB088A43}"/>
-              </a:ext>
-            </a:extLst>
-          </p:cNvPr>
+          <p:cNvPr id="1026" name="Picture 2"/>
           <p:cNvPicPr>
             <a:picLocks noChangeAspect="1" noChangeArrowheads="1"/>
           </p:cNvPicPr>
           <p:nvPr/>
         </p:nvPicPr>
         <p:blipFill>
-          <a:blip r:embed="rId2">
+          <a:blip r:embed="rId1">
             <a:extLst>
               <a:ext uri="{28A0092B-C50C-407E-A947-70E740481C1C}">
                 <a14:useLocalDpi xmlns:a14="http://schemas.microsoft.com/office/drawing/2010/main" val="0"/>
@@ -16240,11 +17288,6 @@
         </p:spPr>
       </p:pic>
     </p:spTree>
-    <p:extLst>
-      <p:ext uri="{BB962C8B-B14F-4D97-AF65-F5344CB8AC3E}">
-        <p14:creationId xmlns:p14="http://schemas.microsoft.com/office/powerpoint/2010/main" val="1019159820"/>
-      </p:ext>
-    </p:extLst>
   </p:cSld>
   <p:clrMapOvr>
     <a:masterClrMapping/>
@@ -16252,7 +17295,7 @@
 </p:sld>
 </file>
 
-<file path=ppt/slides/slide5.xml><?xml version="1.0" encoding="utf-8"?>
+<file path=ppt/slides/slide7.xml><?xml version="1.0" encoding="utf-8"?>
 <p:sld xmlns:a="http://schemas.openxmlformats.org/drawingml/2006/main" xmlns:r="http://schemas.openxmlformats.org/officeDocument/2006/relationships" xmlns:p="http://schemas.openxmlformats.org/presentationml/2006/main">
   <p:cSld>
     <p:spTree>
@@ -16271,13 +17314,7 @@
       </p:grpSpPr>
       <p:sp>
         <p:nvSpPr>
-          <p:cNvPr id="2" name="Title 1">
-            <a:extLst>
-              <a:ext uri="{FF2B5EF4-FFF2-40B4-BE49-F238E27FC236}">
-                <a16:creationId xmlns:a16="http://schemas.microsoft.com/office/drawing/2014/main" id="{6BA07F13-FBEB-5346-18E3-C90829063D45}"/>
-              </a:ext>
-            </a:extLst>
-          </p:cNvPr>
+          <p:cNvPr id="2" name="Title 1"/>
           <p:cNvSpPr>
             <a:spLocks noGrp="1"/>
           </p:cNvSpPr>
@@ -16305,20 +17342,14 @@
       </p:sp>
       <p:pic>
         <p:nvPicPr>
-          <p:cNvPr id="3" name="Picture 2">
-            <a:extLst>
-              <a:ext uri="{FF2B5EF4-FFF2-40B4-BE49-F238E27FC236}">
-                <a16:creationId xmlns:a16="http://schemas.microsoft.com/office/drawing/2014/main" id="{B79A2DDB-F345-AB5E-DB0D-6DF1A96ACDFD}"/>
-              </a:ext>
-            </a:extLst>
-          </p:cNvPr>
+          <p:cNvPr id="3" name="Picture 2"/>
           <p:cNvPicPr>
             <a:picLocks noChangeAspect="1" noChangeArrowheads="1"/>
           </p:cNvPicPr>
           <p:nvPr/>
         </p:nvPicPr>
         <p:blipFill>
-          <a:blip r:embed="rId2">
+          <a:blip r:embed="rId1">
             <a:extLst>
               <a:ext uri="{28A0092B-C50C-407E-A947-70E740481C1C}">
                 <a14:useLocalDpi xmlns:a14="http://schemas.microsoft.com/office/drawing/2010/main" val="0"/>
@@ -16351,11 +17382,6 @@
         </p:spPr>
       </p:pic>
     </p:spTree>
-    <p:extLst>
-      <p:ext uri="{BB962C8B-B14F-4D97-AF65-F5344CB8AC3E}">
-        <p14:creationId xmlns:p14="http://schemas.microsoft.com/office/powerpoint/2010/main" val="3115648629"/>
-      </p:ext>
-    </p:extLst>
   </p:cSld>
   <p:clrMapOvr>
     <a:masterClrMapping/>
@@ -16363,7 +17389,7 @@
 </p:sld>
 </file>
 
-<file path=ppt/slides/slide6.xml><?xml version="1.0" encoding="utf-8"?>
+<file path=ppt/slides/slide8.xml><?xml version="1.0" encoding="utf-8"?>
 <p:sld xmlns:a="http://schemas.openxmlformats.org/drawingml/2006/main" xmlns:r="http://schemas.openxmlformats.org/officeDocument/2006/relationships" xmlns:p="http://schemas.openxmlformats.org/presentationml/2006/main">
   <p:cSld>
     <p:spTree>
@@ -16382,13 +17408,7 @@
       </p:grpSpPr>
       <p:sp>
         <p:nvSpPr>
-          <p:cNvPr id="2" name="Title 1">
-            <a:extLst>
-              <a:ext uri="{FF2B5EF4-FFF2-40B4-BE49-F238E27FC236}">
-                <a16:creationId xmlns:a16="http://schemas.microsoft.com/office/drawing/2014/main" id="{6BA07F13-FBEB-5346-18E3-C90829063D45}"/>
-              </a:ext>
-            </a:extLst>
-          </p:cNvPr>
+          <p:cNvPr id="2" name="Title 1"/>
           <p:cNvSpPr>
             <a:spLocks noGrp="1"/>
           </p:cNvSpPr>
@@ -16417,25 +17437,20 @@
               <a:rPr lang="en-US" sz="2000" dirty="0"/>
               <a:t>FICO and loan performance</a:t>
             </a:r>
+            <a:endParaRPr lang="en-US" sz="2000" dirty="0"/>
           </a:p>
         </p:txBody>
       </p:sp>
       <p:pic>
         <p:nvPicPr>
-          <p:cNvPr id="3074" name="Picture 2">
-            <a:extLst>
-              <a:ext uri="{FF2B5EF4-FFF2-40B4-BE49-F238E27FC236}">
-                <a16:creationId xmlns:a16="http://schemas.microsoft.com/office/drawing/2014/main" id="{270D8D46-F638-6BEA-29BB-42A10D7A349D}"/>
-              </a:ext>
-            </a:extLst>
-          </p:cNvPr>
+          <p:cNvPr id="3074" name="Picture 2"/>
           <p:cNvPicPr>
             <a:picLocks noChangeAspect="1" noChangeArrowheads="1"/>
           </p:cNvPicPr>
           <p:nvPr/>
         </p:nvPicPr>
         <p:blipFill>
-          <a:blip r:embed="rId2">
+          <a:blip r:embed="rId1">
             <a:extLst>
               <a:ext uri="{28A0092B-C50C-407E-A947-70E740481C1C}">
                 <a14:useLocalDpi xmlns:a14="http://schemas.microsoft.com/office/drawing/2010/main" val="0"/>
@@ -16469,20 +17484,14 @@
       </p:pic>
       <p:pic>
         <p:nvPicPr>
-          <p:cNvPr id="3076" name="Picture 4">
-            <a:extLst>
-              <a:ext uri="{FF2B5EF4-FFF2-40B4-BE49-F238E27FC236}">
-                <a16:creationId xmlns:a16="http://schemas.microsoft.com/office/drawing/2014/main" id="{E85172B8-E11D-A270-20FE-C3E0E3BDA107}"/>
-              </a:ext>
-            </a:extLst>
-          </p:cNvPr>
+          <p:cNvPr id="3076" name="Picture 4"/>
           <p:cNvPicPr>
             <a:picLocks noChangeAspect="1" noChangeArrowheads="1"/>
           </p:cNvPicPr>
           <p:nvPr/>
         </p:nvPicPr>
         <p:blipFill>
-          <a:blip r:embed="rId3">
+          <a:blip r:embed="rId2">
             <a:extLst>
               <a:ext uri="{28A0092B-C50C-407E-A947-70E740481C1C}">
                 <a14:useLocalDpi xmlns:a14="http://schemas.microsoft.com/office/drawing/2010/main" val="0"/>
@@ -16516,20 +17525,14 @@
       </p:pic>
       <p:pic>
         <p:nvPicPr>
-          <p:cNvPr id="3078" name="Picture 6">
-            <a:extLst>
-              <a:ext uri="{FF2B5EF4-FFF2-40B4-BE49-F238E27FC236}">
-                <a16:creationId xmlns:a16="http://schemas.microsoft.com/office/drawing/2014/main" id="{10EB9144-7A84-9BDD-93CE-809F5A5AE2B0}"/>
-              </a:ext>
-            </a:extLst>
-          </p:cNvPr>
+          <p:cNvPr id="3078" name="Picture 6"/>
           <p:cNvPicPr>
             <a:picLocks noChangeAspect="1" noChangeArrowheads="1"/>
           </p:cNvPicPr>
           <p:nvPr/>
         </p:nvPicPr>
         <p:blipFill>
-          <a:blip r:embed="rId4">
+          <a:blip r:embed="rId3">
             <a:extLst>
               <a:ext uri="{28A0092B-C50C-407E-A947-70E740481C1C}">
                 <a14:useLocalDpi xmlns:a14="http://schemas.microsoft.com/office/drawing/2010/main" val="0"/>
@@ -16562,11 +17565,6 @@
         </p:spPr>
       </p:pic>
     </p:spTree>
-    <p:extLst>
-      <p:ext uri="{BB962C8B-B14F-4D97-AF65-F5344CB8AC3E}">
-        <p14:creationId xmlns:p14="http://schemas.microsoft.com/office/powerpoint/2010/main" val="1339355542"/>
-      </p:ext>
-    </p:extLst>
   </p:cSld>
   <p:clrMapOvr>
     <a:masterClrMapping/>
@@ -16574,7 +17572,7 @@
 </p:sld>
 </file>
 
-<file path=ppt/slides/slide7.xml><?xml version="1.0" encoding="utf-8"?>
+<file path=ppt/slides/slide9.xml><?xml version="1.0" encoding="utf-8"?>
 <p:sld xmlns:a="http://schemas.openxmlformats.org/drawingml/2006/main" xmlns:r="http://schemas.openxmlformats.org/officeDocument/2006/relationships" xmlns:p="http://schemas.openxmlformats.org/presentationml/2006/main">
   <p:cSld>
     <p:spTree>
@@ -16593,13 +17591,7 @@
       </p:grpSpPr>
       <p:sp>
         <p:nvSpPr>
-          <p:cNvPr id="2" name="Title 1">
-            <a:extLst>
-              <a:ext uri="{FF2B5EF4-FFF2-40B4-BE49-F238E27FC236}">
-                <a16:creationId xmlns:a16="http://schemas.microsoft.com/office/drawing/2014/main" id="{6BA07F13-FBEB-5346-18E3-C90829063D45}"/>
-              </a:ext>
-            </a:extLst>
-          </p:cNvPr>
+          <p:cNvPr id="2" name="Title 1"/>
           <p:cNvSpPr>
             <a:spLocks noGrp="1"/>
           </p:cNvSpPr>
@@ -16630,20 +17622,14 @@
       </p:sp>
       <p:pic>
         <p:nvPicPr>
-          <p:cNvPr id="4098" name="Picture 2">
-            <a:extLst>
-              <a:ext uri="{FF2B5EF4-FFF2-40B4-BE49-F238E27FC236}">
-                <a16:creationId xmlns:a16="http://schemas.microsoft.com/office/drawing/2014/main" id="{B7A6496D-ABF3-E753-1A3D-4D76DD893916}"/>
-              </a:ext>
-            </a:extLst>
-          </p:cNvPr>
+          <p:cNvPr id="4098" name="Picture 2"/>
           <p:cNvPicPr>
             <a:picLocks noChangeAspect="1" noChangeArrowheads="1"/>
           </p:cNvPicPr>
           <p:nvPr/>
         </p:nvPicPr>
         <p:blipFill>
-          <a:blip r:embed="rId2">
+          <a:blip r:embed="rId1">
             <a:extLst>
               <a:ext uri="{28A0092B-C50C-407E-A947-70E740481C1C}">
                 <a14:useLocalDpi xmlns:a14="http://schemas.microsoft.com/office/drawing/2010/main" val="0"/>
@@ -16677,13 +17663,7 @@
       </p:pic>
       <p:sp>
         <p:nvSpPr>
-          <p:cNvPr id="3" name="TextBox 2">
-            <a:extLst>
-              <a:ext uri="{FF2B5EF4-FFF2-40B4-BE49-F238E27FC236}">
-                <a16:creationId xmlns:a16="http://schemas.microsoft.com/office/drawing/2014/main" id="{0537F09B-663C-E955-85A5-715FF02F0554}"/>
-              </a:ext>
-            </a:extLst>
-          </p:cNvPr>
+          <p:cNvPr id="3" name="TextBox 2"/>
           <p:cNvSpPr txBox="1"/>
           <p:nvPr/>
         </p:nvSpPr>
@@ -16707,15 +17687,11 @@
               <a:rPr lang="en-US" dirty="0"/>
               <a:t>Each data point on the graph is labeled by the first 3 digits of the zip codes in southern California. </a:t>
             </a:r>
+            <a:endParaRPr lang="en-US" dirty="0"/>
           </a:p>
         </p:txBody>
       </p:sp>
     </p:spTree>
-    <p:extLst>
-      <p:ext uri="{BB962C8B-B14F-4D97-AF65-F5344CB8AC3E}">
-        <p14:creationId xmlns:p14="http://schemas.microsoft.com/office/powerpoint/2010/main" val="2876757068"/>
-      </p:ext>
-    </p:extLst>
   </p:cSld>
   <p:clrMapOvr>
     <a:masterClrMapping/>
@@ -16766,7 +17742,7 @@
     </a:clrScheme>
     <a:fontScheme name="Ion Boardroom">
       <a:majorFont>
-        <a:latin typeface="Century Gothic" panose="020B0502020202020204"/>
+        <a:latin typeface="Century Gothic"/>
         <a:ea typeface=""/>
         <a:cs typeface=""/>
         <a:font script="Jpan" typeface="メイリオ"/>
@@ -16801,7 +17777,7 @@
         <a:font script="Geor" typeface="Sylfaen"/>
       </a:majorFont>
       <a:minorFont>
-        <a:latin typeface="Century Gothic" panose="020B0502020202020204"/>
+        <a:latin typeface="Century Gothic"/>
         <a:ea typeface=""/>
         <a:cs typeface=""/>
         <a:font script="Jpan" typeface="メイリオ"/>
@@ -16972,16 +17948,16 @@
               </a:schemeClr>
             </a:duotone>
           </a:blip>
-          <a:stretch/>
+          <a:stretch>
+            <a:fillRect/>
+          </a:stretch>
         </a:blipFill>
       </a:bgFillStyleLst>
     </a:fmtScheme>
   </a:themeElements>
-  <a:objectDefaults/>
-  <a:extraClrSchemeLst/>
   <a:extLst>
     <a:ext uri="{05A4C25C-085E-4340-85A3-A5531E510DB2}">
-      <thm15:themeFamily xmlns:thm15="http://schemas.microsoft.com/office/thememl/2012/main" name="Ion Boardroom" id="{FC33163D-4339-46B1-8EED-24C834239D99}" vid="{B8502691-933B-45FE-8764-BA278511EF27}"/>
+      <thm15:themeFamily xmlns:thm15="http://schemas.microsoft.com/office/thememl/2012/main" name="Office Theme" id="{62F939B6-93AF-4DB8-9C6B-D6C7DFDC589F}" vid="{4A3C46E8-61CC-4603-A589-7422A47A8E4A}"/>
     </a:ext>
   </a:extLst>
 </a:theme>

--- a/Project 4 - Descriptions/Project 4 - Descriptions.pptx
+++ b/Project 4 - Descriptions/Project 4 - Descriptions.pptx
@@ -5,19 +5,23 @@
     <p:sldMasterId id="2147483648" r:id="rId1"/>
   </p:sldMasterIdLst>
   <p:sldIdLst>
-    <p:sldId id="256" r:id="rId3"/>
-    <p:sldId id="257" r:id="rId4"/>
-    <p:sldId id="269" r:id="rId5"/>
-    <p:sldId id="270" r:id="rId6"/>
-    <p:sldId id="271" r:id="rId7"/>
-    <p:sldId id="262" r:id="rId8"/>
-    <p:sldId id="259" r:id="rId9"/>
-    <p:sldId id="260" r:id="rId10"/>
-    <p:sldId id="261" r:id="rId11"/>
-    <p:sldId id="276" r:id="rId12"/>
+    <p:sldId id="256" r:id="rId2"/>
+    <p:sldId id="257" r:id="rId3"/>
+    <p:sldId id="269" r:id="rId4"/>
+    <p:sldId id="270" r:id="rId5"/>
+    <p:sldId id="271" r:id="rId6"/>
+    <p:sldId id="262" r:id="rId7"/>
+    <p:sldId id="259" r:id="rId8"/>
+    <p:sldId id="260" r:id="rId9"/>
+    <p:sldId id="261" r:id="rId10"/>
+    <p:sldId id="276" r:id="rId11"/>
+    <p:sldId id="277" r:id="rId12"/>
   </p:sldIdLst>
   <p:sldSz cx="12192000" cy="6858000"/>
   <p:notesSz cx="6858000" cy="9144000"/>
+  <p:custDataLst>
+    <p:tags r:id="rId13"/>
+  </p:custDataLst>
   <p:defaultTextStyle>
     <a:defPPr>
       <a:defRPr lang="en-US"/>
@@ -113,11 +117,16 @@
       </a:defRPr>
     </a:lvl9pPr>
   </p:defaultTextStyle>
+  <p:extLst>
+    <p:ext uri="{EFAFB233-063F-42B5-8137-9DF3F51BA10A}">
+      <p15:sldGuideLst xmlns:p15="http://schemas.microsoft.com/office/powerpoint/2012/main"/>
+    </p:ext>
+  </p:extLst>
 </p:presentation>
 </file>
 
 <file path=ppt/slideLayouts/slideLayout1.xml><?xml version="1.0" encoding="utf-8"?>
-<p:sldLayout xmlns:a="http://schemas.openxmlformats.org/drawingml/2006/main" xmlns:r="http://schemas.openxmlformats.org/officeDocument/2006/relationships" xmlns:p="http://schemas.openxmlformats.org/presentationml/2006/main" type="title" preserve="1" showMasterSp="0">
+<p:sldLayout xmlns:a="http://schemas.openxmlformats.org/drawingml/2006/main" xmlns:r="http://schemas.openxmlformats.org/officeDocument/2006/relationships" xmlns:p="http://schemas.openxmlformats.org/presentationml/2006/main" showMasterSp="0" type="title" preserve="1">
   <p:cSld name="Title Slide">
     <p:spTree>
       <p:nvGrpSpPr>
@@ -451,6 +460,7 @@
           <a:p>
             <a:fld id="{F4D57BDD-E64A-4D27-8978-82FFCA18A12C}" type="datetimeFigureOut">
               <a:rPr lang="en-US" smtClean="0"/>
+              <a:t>1/23/2023</a:t>
             </a:fld>
             <a:endParaRPr lang="en-US"/>
           </a:p>
@@ -548,6 +558,7 @@
           <a:p>
             <a:fld id="{D643A852-0206-46AC-B0EB-645612933129}" type="slidenum">
               <a:rPr lang="en-US" smtClean="0"/>
+              <a:t>‹#›</a:t>
             </a:fld>
             <a:endParaRPr lang="en-US" dirty="0"/>
           </a:p>
@@ -1512,7 +1523,6 @@
               <a:rPr lang="en-US"/>
               <a:t>Click to edit Master text styles</a:t>
             </a:r>
-            <a:endParaRPr lang="en-US"/>
           </a:p>
         </p:txBody>
       </p:sp>
@@ -1533,6 +1543,7 @@
           <a:p>
             <a:fld id="{F4D57BDD-E64A-4D27-8978-82FFCA18A12C}" type="datetimeFigureOut">
               <a:rPr lang="en-US" smtClean="0"/>
+              <a:t>1/23/2023</a:t>
             </a:fld>
             <a:endParaRPr lang="en-US" dirty="0"/>
           </a:p>
@@ -1610,6 +1621,7 @@
           <a:p>
             <a:fld id="{D643A852-0206-46AC-B0EB-645612933129}" type="slidenum">
               <a:rPr lang="en-US" smtClean="0"/>
+              <a:t>‹#›</a:t>
             </a:fld>
             <a:endParaRPr lang="en-US" dirty="0"/>
           </a:p>
@@ -1624,7 +1636,7 @@
 </file>
 
 <file path=ppt/slideLayouts/slideLayout11.xml><?xml version="1.0" encoding="utf-8"?>
-<p:sldLayout xmlns:a="http://schemas.openxmlformats.org/drawingml/2006/main" xmlns:r="http://schemas.openxmlformats.org/officeDocument/2006/relationships" xmlns:p="http://schemas.openxmlformats.org/presentationml/2006/main" preserve="1" showMasterSp="0">
+<p:sldLayout xmlns:a="http://schemas.openxmlformats.org/drawingml/2006/main" xmlns:r="http://schemas.openxmlformats.org/officeDocument/2006/relationships" xmlns:p="http://schemas.openxmlformats.org/presentationml/2006/main" showMasterSp="0" preserve="1">
   <p:cSld name="Title and Caption">
     <p:spTree>
       <p:nvGrpSpPr>
@@ -2486,7 +2498,6 @@
               <a:rPr lang="en-US"/>
               <a:t>Click to edit Master text styles</a:t>
             </a:r>
-            <a:endParaRPr lang="en-US"/>
           </a:p>
         </p:txBody>
       </p:sp>
@@ -2507,6 +2518,7 @@
           <a:p>
             <a:fld id="{F4D57BDD-E64A-4D27-8978-82FFCA18A12C}" type="datetimeFigureOut">
               <a:rPr lang="en-US" smtClean="0"/>
+              <a:t>1/23/2023</a:t>
             </a:fld>
             <a:endParaRPr lang="en-US" dirty="0"/>
           </a:p>
@@ -2584,6 +2596,7 @@
           <a:p>
             <a:fld id="{D643A852-0206-46AC-B0EB-645612933129}" type="slidenum">
               <a:rPr lang="en-US" smtClean="0"/>
+              <a:t>‹#›</a:t>
             </a:fld>
             <a:endParaRPr lang="en-US" dirty="0"/>
           </a:p>
@@ -2598,7 +2611,7 @@
 </file>
 
 <file path=ppt/slideLayouts/slideLayout12.xml><?xml version="1.0" encoding="utf-8"?>
-<p:sldLayout xmlns:a="http://schemas.openxmlformats.org/drawingml/2006/main" xmlns:r="http://schemas.openxmlformats.org/officeDocument/2006/relationships" xmlns:p="http://schemas.openxmlformats.org/presentationml/2006/main" preserve="1" showMasterSp="0">
+<p:sldLayout xmlns:a="http://schemas.openxmlformats.org/drawingml/2006/main" xmlns:r="http://schemas.openxmlformats.org/officeDocument/2006/relationships" xmlns:p="http://schemas.openxmlformats.org/presentationml/2006/main" showMasterSp="0" preserve="1">
   <p:cSld name="Quote with Caption">
     <p:spTree>
       <p:nvGrpSpPr>
@@ -3400,16 +3413,6 @@
               </a:rPr>
               <a:t>“</a:t>
             </a:r>
-            <a:endParaRPr lang="en-US" sz="9600" b="0" i="0" dirty="0">
-              <a:solidFill>
-                <a:schemeClr val="accent1">
-                  <a:lumMod val="60000"/>
-                  <a:lumOff val="40000"/>
-                </a:schemeClr>
-              </a:solidFill>
-              <a:latin typeface="Arial" panose="020B0604020202020204"/>
-              <a:cs typeface="Arial" panose="020B0604020202020204"/>
-            </a:endParaRPr>
           </a:p>
         </p:txBody>
       </p:sp>
@@ -3449,16 +3452,6 @@
               </a:rPr>
               <a:t>”</a:t>
             </a:r>
-            <a:endParaRPr lang="en-US" sz="9600" b="0" i="0" dirty="0">
-              <a:solidFill>
-                <a:schemeClr val="accent1">
-                  <a:lumMod val="60000"/>
-                  <a:lumOff val="40000"/>
-                </a:schemeClr>
-              </a:solidFill>
-              <a:latin typeface="Arial" panose="020B0604020202020204"/>
-              <a:cs typeface="Arial" panose="020B0604020202020204"/>
-            </a:endParaRPr>
           </a:p>
         </p:txBody>
       </p:sp>
@@ -3567,7 +3560,6 @@
               <a:rPr lang="en-US"/>
               <a:t>Click to edit Master text styles</a:t>
             </a:r>
-            <a:endParaRPr lang="en-US"/>
           </a:p>
         </p:txBody>
       </p:sp>
@@ -3635,7 +3627,6 @@
               <a:rPr lang="en-US"/>
               <a:t>Click to edit Master text styles</a:t>
             </a:r>
-            <a:endParaRPr lang="en-US"/>
           </a:p>
         </p:txBody>
       </p:sp>
@@ -3656,6 +3647,7 @@
           <a:p>
             <a:fld id="{F4D57BDD-E64A-4D27-8978-82FFCA18A12C}" type="datetimeFigureOut">
               <a:rPr lang="en-US" smtClean="0"/>
+              <a:t>1/23/2023</a:t>
             </a:fld>
             <a:endParaRPr lang="en-US" dirty="0"/>
           </a:p>
@@ -3733,6 +3725,7 @@
           <a:p>
             <a:fld id="{D643A852-0206-46AC-B0EB-645612933129}" type="slidenum">
               <a:rPr lang="en-US" smtClean="0"/>
+              <a:t>‹#›</a:t>
             </a:fld>
             <a:endParaRPr lang="en-US" dirty="0"/>
           </a:p>
@@ -3747,7 +3740,7 @@
 </file>
 
 <file path=ppt/slideLayouts/slideLayout13.xml><?xml version="1.0" encoding="utf-8"?>
-<p:sldLayout xmlns:a="http://schemas.openxmlformats.org/drawingml/2006/main" xmlns:r="http://schemas.openxmlformats.org/officeDocument/2006/relationships" xmlns:p="http://schemas.openxmlformats.org/presentationml/2006/main" preserve="1" showMasterSp="0">
+<p:sldLayout xmlns:a="http://schemas.openxmlformats.org/drawingml/2006/main" xmlns:r="http://schemas.openxmlformats.org/officeDocument/2006/relationships" xmlns:p="http://schemas.openxmlformats.org/presentationml/2006/main" showMasterSp="0" preserve="1">
   <p:cSld name="Name Card">
     <p:spTree>
       <p:nvGrpSpPr>
@@ -4662,7 +4655,6 @@
               <a:rPr lang="en-US"/>
               <a:t>Click to edit Master text styles</a:t>
             </a:r>
-            <a:endParaRPr lang="en-US"/>
           </a:p>
         </p:txBody>
       </p:sp>
@@ -4683,6 +4675,7 @@
           <a:p>
             <a:fld id="{F4D57BDD-E64A-4D27-8978-82FFCA18A12C}" type="datetimeFigureOut">
               <a:rPr lang="en-US" smtClean="0"/>
+              <a:t>1/23/2023</a:t>
             </a:fld>
             <a:endParaRPr lang="en-US" dirty="0"/>
           </a:p>
@@ -4760,6 +4753,7 @@
           <a:p>
             <a:fld id="{D643A852-0206-46AC-B0EB-645612933129}" type="slidenum">
               <a:rPr lang="en-US" smtClean="0"/>
+              <a:t>‹#›</a:t>
             </a:fld>
             <a:endParaRPr lang="en-US" dirty="0"/>
           </a:p>
@@ -4893,7 +4887,6 @@
               <a:rPr lang="en-US"/>
               <a:t>Click to edit Master text styles</a:t>
             </a:r>
-            <a:endParaRPr lang="en-US"/>
           </a:p>
         </p:txBody>
       </p:sp>
@@ -4961,7 +4954,6 @@
               <a:rPr lang="en-US"/>
               <a:t>Click to edit Master text styles</a:t>
             </a:r>
-            <a:endParaRPr lang="en-US"/>
           </a:p>
         </p:txBody>
       </p:sp>
@@ -5036,7 +5028,6 @@
               <a:rPr lang="en-US"/>
               <a:t>Click to edit Master text styles</a:t>
             </a:r>
-            <a:endParaRPr lang="en-US"/>
           </a:p>
         </p:txBody>
       </p:sp>
@@ -5104,7 +5095,6 @@
               <a:rPr lang="en-US"/>
               <a:t>Click to edit Master text styles</a:t>
             </a:r>
-            <a:endParaRPr lang="en-US"/>
           </a:p>
         </p:txBody>
       </p:sp>
@@ -5179,7 +5169,6 @@
               <a:rPr lang="en-US"/>
               <a:t>Click to edit Master text styles</a:t>
             </a:r>
-            <a:endParaRPr lang="en-US"/>
           </a:p>
         </p:txBody>
       </p:sp>
@@ -5247,7 +5236,6 @@
               <a:rPr lang="en-US"/>
               <a:t>Click to edit Master text styles</a:t>
             </a:r>
-            <a:endParaRPr lang="en-US"/>
           </a:p>
         </p:txBody>
       </p:sp>
@@ -5342,6 +5330,7 @@
           <a:p>
             <a:fld id="{F4D57BDD-E64A-4D27-8978-82FFCA18A12C}" type="datetimeFigureOut">
               <a:rPr lang="en-US" smtClean="0"/>
+              <a:t>1/23/2023</a:t>
             </a:fld>
             <a:endParaRPr lang="en-US" dirty="0"/>
           </a:p>
@@ -5383,6 +5372,7 @@
           <a:p>
             <a:fld id="{D643A852-0206-46AC-B0EB-645612933129}" type="slidenum">
               <a:rPr lang="en-US" smtClean="0"/>
+              <a:t>‹#›</a:t>
             </a:fld>
             <a:endParaRPr lang="en-US" dirty="0"/>
           </a:p>
@@ -5516,7 +5506,6 @@
               <a:rPr lang="en-US"/>
               <a:t>Click to edit Master text styles</a:t>
             </a:r>
-            <a:endParaRPr lang="en-US"/>
           </a:p>
         </p:txBody>
       </p:sp>
@@ -5663,7 +5652,6 @@
               <a:rPr lang="en-US"/>
               <a:t>Click to edit Master text styles</a:t>
             </a:r>
-            <a:endParaRPr lang="en-US"/>
           </a:p>
         </p:txBody>
       </p:sp>
@@ -5738,7 +5726,6 @@
               <a:rPr lang="en-US"/>
               <a:t>Click to edit Master text styles</a:t>
             </a:r>
-            <a:endParaRPr lang="en-US"/>
           </a:p>
         </p:txBody>
       </p:sp>
@@ -5885,7 +5872,6 @@
               <a:rPr lang="en-US"/>
               <a:t>Click to edit Master text styles</a:t>
             </a:r>
-            <a:endParaRPr lang="en-US"/>
           </a:p>
         </p:txBody>
       </p:sp>
@@ -5960,7 +5946,6 @@
               <a:rPr lang="en-US"/>
               <a:t>Click to edit Master text styles</a:t>
             </a:r>
-            <a:endParaRPr lang="en-US"/>
           </a:p>
         </p:txBody>
       </p:sp>
@@ -6107,7 +6092,6 @@
               <a:rPr lang="en-US"/>
               <a:t>Click to edit Master text styles</a:t>
             </a:r>
-            <a:endParaRPr lang="en-US"/>
           </a:p>
         </p:txBody>
       </p:sp>
@@ -6202,6 +6186,7 @@
           <a:p>
             <a:fld id="{F4D57BDD-E64A-4D27-8978-82FFCA18A12C}" type="datetimeFigureOut">
               <a:rPr lang="en-US" smtClean="0"/>
+              <a:t>1/23/2023</a:t>
             </a:fld>
             <a:endParaRPr lang="en-US" dirty="0"/>
           </a:p>
@@ -6248,6 +6233,7 @@
           <a:p>
             <a:fld id="{D643A852-0206-46AC-B0EB-645612933129}" type="slidenum">
               <a:rPr lang="en-US" smtClean="0"/>
+              <a:t>‹#›</a:t>
             </a:fld>
             <a:endParaRPr lang="en-US" dirty="0"/>
           </a:p>
@@ -6331,7 +6317,6 @@
               <a:rPr lang="en-US"/>
               <a:t>Click to edit Master text styles</a:t>
             </a:r>
-            <a:endParaRPr lang="en-US"/>
           </a:p>
           <a:p>
             <a:pPr lvl="1"/>
@@ -6339,7 +6324,6 @@
               <a:rPr lang="en-US"/>
               <a:t>Second level</a:t>
             </a:r>
-            <a:endParaRPr lang="en-US"/>
           </a:p>
           <a:p>
             <a:pPr lvl="2"/>
@@ -6347,7 +6331,6 @@
               <a:rPr lang="en-US"/>
               <a:t>Third level</a:t>
             </a:r>
-            <a:endParaRPr lang="en-US"/>
           </a:p>
           <a:p>
             <a:pPr lvl="3"/>
@@ -6355,7 +6338,6 @@
               <a:rPr lang="en-US"/>
               <a:t>Fourth level</a:t>
             </a:r>
-            <a:endParaRPr lang="en-US"/>
           </a:p>
           <a:p>
             <a:pPr lvl="4"/>
@@ -6389,6 +6371,7 @@
           <a:p>
             <a:fld id="{F4D57BDD-E64A-4D27-8978-82FFCA18A12C}" type="datetimeFigureOut">
               <a:rPr lang="en-US" smtClean="0"/>
+              <a:t>1/23/2023</a:t>
             </a:fld>
             <a:endParaRPr lang="en-US"/>
           </a:p>
@@ -6430,6 +6413,7 @@
           <a:p>
             <a:fld id="{D643A852-0206-46AC-B0EB-645612933129}" type="slidenum">
               <a:rPr lang="en-US" smtClean="0"/>
+              <a:t>‹#›</a:t>
             </a:fld>
             <a:endParaRPr lang="en-US"/>
           </a:p>
@@ -6444,7 +6428,7 @@
 </file>
 
 <file path=ppt/slideLayouts/slideLayout17.xml><?xml version="1.0" encoding="utf-8"?>
-<p:sldLayout xmlns:a="http://schemas.openxmlformats.org/drawingml/2006/main" xmlns:r="http://schemas.openxmlformats.org/officeDocument/2006/relationships" xmlns:p="http://schemas.openxmlformats.org/presentationml/2006/main" type="vertTitleAndTx" preserve="1" showMasterSp="0">
+<p:sldLayout xmlns:a="http://schemas.openxmlformats.org/drawingml/2006/main" xmlns:r="http://schemas.openxmlformats.org/officeDocument/2006/relationships" xmlns:p="http://schemas.openxmlformats.org/presentationml/2006/main" showMasterSp="0" type="vertTitleAndTx" preserve="1">
   <p:cSld name="Vertical Title and Text">
     <p:spTree>
       <p:nvGrpSpPr>
@@ -7300,7 +7284,6 @@
               <a:rPr lang="en-US"/>
               <a:t>Click to edit Master text styles</a:t>
             </a:r>
-            <a:endParaRPr lang="en-US"/>
           </a:p>
           <a:p>
             <a:pPr lvl="1"/>
@@ -7308,7 +7291,6 @@
               <a:rPr lang="en-US"/>
               <a:t>Second level</a:t>
             </a:r>
-            <a:endParaRPr lang="en-US"/>
           </a:p>
           <a:p>
             <a:pPr lvl="2"/>
@@ -7316,7 +7298,6 @@
               <a:rPr lang="en-US"/>
               <a:t>Third level</a:t>
             </a:r>
-            <a:endParaRPr lang="en-US"/>
           </a:p>
           <a:p>
             <a:pPr lvl="3"/>
@@ -7324,7 +7305,6 @@
               <a:rPr lang="en-US"/>
               <a:t>Fourth level</a:t>
             </a:r>
-            <a:endParaRPr lang="en-US"/>
           </a:p>
           <a:p>
             <a:pPr lvl="4"/>
@@ -7358,6 +7338,7 @@
           <a:p>
             <a:fld id="{F4D57BDD-E64A-4D27-8978-82FFCA18A12C}" type="datetimeFigureOut">
               <a:rPr lang="en-US" smtClean="0"/>
+              <a:t>1/23/2023</a:t>
             </a:fld>
             <a:endParaRPr lang="en-US"/>
           </a:p>
@@ -7435,6 +7416,7 @@
           <a:p>
             <a:fld id="{D643A852-0206-46AC-B0EB-645612933129}" type="slidenum">
               <a:rPr lang="en-US" smtClean="0"/>
+              <a:t>‹#›</a:t>
             </a:fld>
             <a:endParaRPr lang="en-US"/>
           </a:p>
@@ -7513,7 +7495,6 @@
               <a:rPr lang="en-US"/>
               <a:t>Click to edit Master text styles</a:t>
             </a:r>
-            <a:endParaRPr lang="en-US"/>
           </a:p>
           <a:p>
             <a:pPr lvl="1"/>
@@ -7521,7 +7502,6 @@
               <a:rPr lang="en-US"/>
               <a:t>Second level</a:t>
             </a:r>
-            <a:endParaRPr lang="en-US"/>
           </a:p>
           <a:p>
             <a:pPr lvl="2"/>
@@ -7529,7 +7509,6 @@
               <a:rPr lang="en-US"/>
               <a:t>Third level</a:t>
             </a:r>
-            <a:endParaRPr lang="en-US"/>
           </a:p>
           <a:p>
             <a:pPr lvl="3"/>
@@ -7537,7 +7516,6 @@
               <a:rPr lang="en-US"/>
               <a:t>Fourth level</a:t>
             </a:r>
-            <a:endParaRPr lang="en-US"/>
           </a:p>
           <a:p>
             <a:pPr lvl="4"/>
@@ -7566,6 +7544,7 @@
           <a:p>
             <a:fld id="{F4D57BDD-E64A-4D27-8978-82FFCA18A12C}" type="datetimeFigureOut">
               <a:rPr lang="en-US" smtClean="0"/>
+              <a:t>1/23/2023</a:t>
             </a:fld>
             <a:endParaRPr lang="en-US"/>
           </a:p>
@@ -7607,6 +7586,7 @@
           <a:p>
             <a:fld id="{D643A852-0206-46AC-B0EB-645612933129}" type="slidenum">
               <a:rPr lang="en-US" smtClean="0"/>
+              <a:t>‹#›</a:t>
             </a:fld>
             <a:endParaRPr lang="en-US"/>
           </a:p>
@@ -7621,7 +7601,7 @@
 </file>
 
 <file path=ppt/slideLayouts/slideLayout3.xml><?xml version="1.0" encoding="utf-8"?>
-<p:sldLayout xmlns:a="http://schemas.openxmlformats.org/drawingml/2006/main" xmlns:r="http://schemas.openxmlformats.org/officeDocument/2006/relationships" xmlns:p="http://schemas.openxmlformats.org/presentationml/2006/main" type="secHead" preserve="1" showMasterSp="0">
+<p:sldLayout xmlns:a="http://schemas.openxmlformats.org/drawingml/2006/main" xmlns:r="http://schemas.openxmlformats.org/officeDocument/2006/relationships" xmlns:p="http://schemas.openxmlformats.org/presentationml/2006/main" showMasterSp="0" type="secHead" preserve="1">
   <p:cSld name="Section Header">
     <p:spTree>
       <p:nvGrpSpPr>
@@ -8573,7 +8553,6 @@
               <a:rPr lang="en-US"/>
               <a:t>Click to edit Master text styles</a:t>
             </a:r>
-            <a:endParaRPr lang="en-US"/>
           </a:p>
         </p:txBody>
       </p:sp>
@@ -8594,6 +8573,7 @@
           <a:p>
             <a:fld id="{F4D57BDD-E64A-4D27-8978-82FFCA18A12C}" type="datetimeFigureOut">
               <a:rPr lang="en-US" smtClean="0"/>
+              <a:t>1/23/2023</a:t>
             </a:fld>
             <a:endParaRPr lang="en-US"/>
           </a:p>
@@ -8671,6 +8651,7 @@
           <a:p>
             <a:fld id="{D643A852-0206-46AC-B0EB-645612933129}" type="slidenum">
               <a:rPr lang="en-US" smtClean="0"/>
+              <a:t>‹#›</a:t>
             </a:fld>
             <a:endParaRPr lang="en-US"/>
           </a:p>
@@ -8751,7 +8732,6 @@
               <a:rPr lang="en-US"/>
               <a:t>Click to edit Master text styles</a:t>
             </a:r>
-            <a:endParaRPr lang="en-US"/>
           </a:p>
           <a:p>
             <a:pPr lvl="1"/>
@@ -8759,7 +8739,6 @@
               <a:rPr lang="en-US"/>
               <a:t>Second level</a:t>
             </a:r>
-            <a:endParaRPr lang="en-US"/>
           </a:p>
           <a:p>
             <a:pPr lvl="2"/>
@@ -8767,7 +8746,6 @@
               <a:rPr lang="en-US"/>
               <a:t>Third level</a:t>
             </a:r>
-            <a:endParaRPr lang="en-US"/>
           </a:p>
           <a:p>
             <a:pPr lvl="3"/>
@@ -8775,7 +8753,6 @@
               <a:rPr lang="en-US"/>
               <a:t>Fourth level</a:t>
             </a:r>
-            <a:endParaRPr lang="en-US"/>
           </a:p>
           <a:p>
             <a:pPr lvl="4"/>
@@ -8814,7 +8791,6 @@
               <a:rPr lang="en-US"/>
               <a:t>Click to edit Master text styles</a:t>
             </a:r>
-            <a:endParaRPr lang="en-US"/>
           </a:p>
           <a:p>
             <a:pPr lvl="1"/>
@@ -8822,7 +8798,6 @@
               <a:rPr lang="en-US"/>
               <a:t>Second level</a:t>
             </a:r>
-            <a:endParaRPr lang="en-US"/>
           </a:p>
           <a:p>
             <a:pPr lvl="2"/>
@@ -8830,7 +8805,6 @@
               <a:rPr lang="en-US"/>
               <a:t>Third level</a:t>
             </a:r>
-            <a:endParaRPr lang="en-US"/>
           </a:p>
           <a:p>
             <a:pPr lvl="3"/>
@@ -8838,7 +8812,6 @@
               <a:rPr lang="en-US"/>
               <a:t>Fourth level</a:t>
             </a:r>
-            <a:endParaRPr lang="en-US"/>
           </a:p>
           <a:p>
             <a:pPr lvl="4"/>
@@ -8867,6 +8840,7 @@
           <a:p>
             <a:fld id="{F4D57BDD-E64A-4D27-8978-82FFCA18A12C}" type="datetimeFigureOut">
               <a:rPr lang="en-US" smtClean="0"/>
+              <a:t>1/23/2023</a:t>
             </a:fld>
             <a:endParaRPr lang="en-US"/>
           </a:p>
@@ -8908,6 +8882,7 @@
           <a:p>
             <a:fld id="{D643A852-0206-46AC-B0EB-645612933129}" type="slidenum">
               <a:rPr lang="en-US" smtClean="0"/>
+              <a:t>‹#›</a:t>
             </a:fld>
             <a:endParaRPr lang="en-US"/>
           </a:p>
@@ -9033,7 +9008,6 @@
               <a:rPr lang="en-US"/>
               <a:t>Click to edit Master text styles</a:t>
             </a:r>
-            <a:endParaRPr lang="en-US"/>
           </a:p>
         </p:txBody>
       </p:sp>
@@ -9064,7 +9038,6 @@
               <a:rPr lang="en-US"/>
               <a:t>Click to edit Master text styles</a:t>
             </a:r>
-            <a:endParaRPr lang="en-US"/>
           </a:p>
           <a:p>
             <a:pPr lvl="1"/>
@@ -9072,7 +9045,6 @@
               <a:rPr lang="en-US"/>
               <a:t>Second level</a:t>
             </a:r>
-            <a:endParaRPr lang="en-US"/>
           </a:p>
           <a:p>
             <a:pPr lvl="2"/>
@@ -9080,7 +9052,6 @@
               <a:rPr lang="en-US"/>
               <a:t>Third level</a:t>
             </a:r>
-            <a:endParaRPr lang="en-US"/>
           </a:p>
           <a:p>
             <a:pPr lvl="3"/>
@@ -9088,7 +9059,6 @@
               <a:rPr lang="en-US"/>
               <a:t>Fourth level</a:t>
             </a:r>
-            <a:endParaRPr lang="en-US"/>
           </a:p>
           <a:p>
             <a:pPr lvl="4"/>
@@ -9168,7 +9138,6 @@
               <a:rPr lang="en-US"/>
               <a:t>Click to edit Master text styles</a:t>
             </a:r>
-            <a:endParaRPr lang="en-US"/>
           </a:p>
         </p:txBody>
       </p:sp>
@@ -9227,7 +9196,6 @@
               <a:rPr lang="en-US"/>
               <a:t>Click to edit Master text styles</a:t>
             </a:r>
-            <a:endParaRPr lang="en-US"/>
           </a:p>
           <a:p>
             <a:pPr lvl="1"/>
@@ -9235,7 +9203,6 @@
               <a:rPr lang="en-US"/>
               <a:t>Second level</a:t>
             </a:r>
-            <a:endParaRPr lang="en-US"/>
           </a:p>
           <a:p>
             <a:pPr lvl="2"/>
@@ -9243,7 +9210,6 @@
               <a:rPr lang="en-US"/>
               <a:t>Third level</a:t>
             </a:r>
-            <a:endParaRPr lang="en-US"/>
           </a:p>
           <a:p>
             <a:pPr lvl="3"/>
@@ -9251,7 +9217,6 @@
               <a:rPr lang="en-US"/>
               <a:t>Fourth level</a:t>
             </a:r>
-            <a:endParaRPr lang="en-US"/>
           </a:p>
           <a:p>
             <a:pPr lvl="4"/>
@@ -9280,6 +9245,7 @@
           <a:p>
             <a:fld id="{F4D57BDD-E64A-4D27-8978-82FFCA18A12C}" type="datetimeFigureOut">
               <a:rPr lang="en-US" smtClean="0"/>
+              <a:t>1/23/2023</a:t>
             </a:fld>
             <a:endParaRPr lang="en-US"/>
           </a:p>
@@ -9321,6 +9287,7 @@
           <a:p>
             <a:fld id="{D643A852-0206-46AC-B0EB-645612933129}" type="slidenum">
               <a:rPr lang="en-US" smtClean="0"/>
+              <a:t>‹#›</a:t>
             </a:fld>
             <a:endParaRPr lang="en-US"/>
           </a:p>
@@ -9400,6 +9367,7 @@
           <a:p>
             <a:fld id="{F4D57BDD-E64A-4D27-8978-82FFCA18A12C}" type="datetimeFigureOut">
               <a:rPr lang="en-US" smtClean="0"/>
+              <a:t>1/23/2023</a:t>
             </a:fld>
             <a:endParaRPr lang="en-US"/>
           </a:p>
@@ -9441,6 +9409,7 @@
           <a:p>
             <a:fld id="{D643A852-0206-46AC-B0EB-645612933129}" type="slidenum">
               <a:rPr lang="en-US" smtClean="0"/>
+              <a:t>‹#›</a:t>
             </a:fld>
             <a:endParaRPr lang="en-US"/>
           </a:p>
@@ -9455,7 +9424,7 @@
 </file>
 
 <file path=ppt/slideLayouts/slideLayout7.xml><?xml version="1.0" encoding="utf-8"?>
-<p:sldLayout xmlns:a="http://schemas.openxmlformats.org/drawingml/2006/main" xmlns:r="http://schemas.openxmlformats.org/officeDocument/2006/relationships" xmlns:p="http://schemas.openxmlformats.org/presentationml/2006/main" type="blank" preserve="1" showMasterSp="0">
+<p:sldLayout xmlns:a="http://schemas.openxmlformats.org/drawingml/2006/main" xmlns:r="http://schemas.openxmlformats.org/officeDocument/2006/relationships" xmlns:p="http://schemas.openxmlformats.org/presentationml/2006/main" showMasterSp="0" type="blank" preserve="1">
   <p:cSld name="Blank">
     <p:spTree>
       <p:nvGrpSpPr>
@@ -9488,6 +9457,7 @@
           <a:p>
             <a:fld id="{F4D57BDD-E64A-4D27-8978-82FFCA18A12C}" type="datetimeFigureOut">
               <a:rPr lang="en-US" smtClean="0"/>
+              <a:t>1/23/2023</a:t>
             </a:fld>
             <a:endParaRPr lang="en-US"/>
           </a:p>
@@ -9565,6 +9535,7 @@
           <a:p>
             <a:fld id="{D643A852-0206-46AC-B0EB-645612933129}" type="slidenum">
               <a:rPr lang="en-US" smtClean="0"/>
+              <a:t>‹#›</a:t>
             </a:fld>
             <a:endParaRPr lang="en-US"/>
           </a:p>
@@ -9579,7 +9550,7 @@
 </file>
 
 <file path=ppt/slideLayouts/slideLayout8.xml><?xml version="1.0" encoding="utf-8"?>
-<p:sldLayout xmlns:a="http://schemas.openxmlformats.org/drawingml/2006/main" xmlns:r="http://schemas.openxmlformats.org/officeDocument/2006/relationships" xmlns:p="http://schemas.openxmlformats.org/presentationml/2006/main" type="objTx" preserve="1" showMasterSp="0">
+<p:sldLayout xmlns:a="http://schemas.openxmlformats.org/drawingml/2006/main" xmlns:r="http://schemas.openxmlformats.org/officeDocument/2006/relationships" xmlns:p="http://schemas.openxmlformats.org/presentationml/2006/main" showMasterSp="0" type="objTx" preserve="1">
   <p:cSld name="Content with Caption">
     <p:spTree>
       <p:nvGrpSpPr>
@@ -10441,7 +10412,6 @@
               <a:rPr lang="en-US"/>
               <a:t>Click to edit Master text styles</a:t>
             </a:r>
-            <a:endParaRPr lang="en-US"/>
           </a:p>
           <a:p>
             <a:pPr lvl="1"/>
@@ -10449,7 +10419,6 @@
               <a:rPr lang="en-US"/>
               <a:t>Second level</a:t>
             </a:r>
-            <a:endParaRPr lang="en-US"/>
           </a:p>
           <a:p>
             <a:pPr lvl="2"/>
@@ -10457,7 +10426,6 @@
               <a:rPr lang="en-US"/>
               <a:t>Third level</a:t>
             </a:r>
-            <a:endParaRPr lang="en-US"/>
           </a:p>
           <a:p>
             <a:pPr lvl="3"/>
@@ -10465,7 +10433,6 @@
               <a:rPr lang="en-US"/>
               <a:t>Fourth level</a:t>
             </a:r>
-            <a:endParaRPr lang="en-US"/>
           </a:p>
           <a:p>
             <a:pPr lvl="4"/>
@@ -10546,7 +10513,6 @@
               <a:rPr lang="en-US"/>
               <a:t>Click to edit Master text styles</a:t>
             </a:r>
-            <a:endParaRPr lang="en-US"/>
           </a:p>
         </p:txBody>
       </p:sp>
@@ -10567,6 +10533,7 @@
           <a:p>
             <a:fld id="{F4D57BDD-E64A-4D27-8978-82FFCA18A12C}" type="datetimeFigureOut">
               <a:rPr lang="en-US" smtClean="0"/>
+              <a:t>1/23/2023</a:t>
             </a:fld>
             <a:endParaRPr lang="en-US"/>
           </a:p>
@@ -10644,6 +10611,7 @@
           <a:p>
             <a:fld id="{D643A852-0206-46AC-B0EB-645612933129}" type="slidenum">
               <a:rPr lang="en-US" smtClean="0"/>
+              <a:t>‹#›</a:t>
             </a:fld>
             <a:endParaRPr lang="en-US"/>
           </a:p>
@@ -10658,7 +10626,7 @@
 </file>
 
 <file path=ppt/slideLayouts/slideLayout9.xml><?xml version="1.0" encoding="utf-8"?>
-<p:sldLayout xmlns:a="http://schemas.openxmlformats.org/drawingml/2006/main" xmlns:r="http://schemas.openxmlformats.org/officeDocument/2006/relationships" xmlns:p="http://schemas.openxmlformats.org/presentationml/2006/main" type="picTx" preserve="1" showMasterSp="0">
+<p:sldLayout xmlns:a="http://schemas.openxmlformats.org/drawingml/2006/main" xmlns:r="http://schemas.openxmlformats.org/officeDocument/2006/relationships" xmlns:p="http://schemas.openxmlformats.org/presentationml/2006/main" showMasterSp="0" type="picTx" preserve="1">
   <p:cSld name="Picture with Caption">
     <p:spTree>
       <p:nvGrpSpPr>
@@ -11648,7 +11616,6 @@
               <a:rPr lang="en-US"/>
               <a:t>Click to edit Master text styles</a:t>
             </a:r>
-            <a:endParaRPr lang="en-US"/>
           </a:p>
         </p:txBody>
       </p:sp>
@@ -11669,6 +11636,7 @@
           <a:p>
             <a:fld id="{F4D57BDD-E64A-4D27-8978-82FFCA18A12C}" type="datetimeFigureOut">
               <a:rPr lang="en-US" smtClean="0"/>
+              <a:t>1/23/2023</a:t>
             </a:fld>
             <a:endParaRPr lang="en-US"/>
           </a:p>
@@ -11746,6 +11714,7 @@
           <a:p>
             <a:fld id="{D643A852-0206-46AC-B0EB-645612933129}" type="slidenum">
               <a:rPr lang="en-US" smtClean="0"/>
+              <a:t>‹#›</a:t>
             </a:fld>
             <a:endParaRPr lang="en-US"/>
           </a:p>
@@ -11810,7 +11779,7 @@
               <a:avLst/>
             </a:prstGeom>
             <a:blipFill>
-              <a:blip r:embed="rId18">
+              <a:blip r:embed="rId19">
                 <a:duotone>
                   <a:schemeClr val="dk2">
                     <a:shade val="69000"/>
@@ -12594,7 +12563,6 @@
               <a:rPr lang="en-US"/>
               <a:t>Click to edit Master text styles</a:t>
             </a:r>
-            <a:endParaRPr lang="en-US"/>
           </a:p>
           <a:p>
             <a:pPr lvl="1"/>
@@ -12602,7 +12570,6 @@
               <a:rPr lang="en-US"/>
               <a:t>Second level</a:t>
             </a:r>
-            <a:endParaRPr lang="en-US"/>
           </a:p>
           <a:p>
             <a:pPr lvl="2"/>
@@ -12610,7 +12577,6 @@
               <a:rPr lang="en-US"/>
               <a:t>Third level</a:t>
             </a:r>
-            <a:endParaRPr lang="en-US"/>
           </a:p>
           <a:p>
             <a:pPr lvl="3"/>
@@ -12618,7 +12584,6 @@
               <a:rPr lang="en-US"/>
               <a:t>Fourth level</a:t>
             </a:r>
-            <a:endParaRPr lang="en-US"/>
           </a:p>
           <a:p>
             <a:pPr lvl="4"/>
@@ -12663,6 +12628,7 @@
           <a:p>
             <a:fld id="{F4D57BDD-E64A-4D27-8978-82FFCA18A12C}" type="datetimeFigureOut">
               <a:rPr lang="en-US" smtClean="0"/>
+              <a:t>1/23/2023</a:t>
             </a:fld>
             <a:endParaRPr lang="en-US" dirty="0"/>
           </a:p>
@@ -12772,6 +12738,7 @@
           <a:p>
             <a:fld id="{D643A852-0206-46AC-B0EB-645612933129}" type="slidenum">
               <a:rPr lang="en-US" smtClean="0"/>
+              <a:t>‹#›</a:t>
             </a:fld>
             <a:endParaRPr lang="en-US" dirty="0"/>
           </a:p>
@@ -13257,7 +13224,6 @@
               <a:rPr lang="en-US" sz="2800" dirty="0"/>
               <a:t>Project 3 – Home Price Changes in Southern California</a:t>
             </a:r>
-            <a:endParaRPr lang="en-US" sz="2800" dirty="0"/>
           </a:p>
         </p:txBody>
       </p:sp>
@@ -13270,7 +13236,7 @@
           <p:nvPr/>
         </p:nvPicPr>
         <p:blipFill rotWithShape="1">
-          <a:blip r:embed="rId1"/>
+          <a:blip r:embed="rId2"/>
           <a:srcRect l="28427" r="31573"/>
           <a:stretch>
             <a:fillRect/>
@@ -15206,7 +15172,14 @@
         <p:cNvGrpSpPr/>
         <p:nvPr/>
       </p:nvGrpSpPr>
-      <p:grpSpPr/>
+      <p:grpSpPr>
+        <a:xfrm>
+          <a:off x="0" y="0"/>
+          <a:ext cx="0" cy="0"/>
+          <a:chOff x="0" y="0"/>
+          <a:chExt cx="0" cy="0"/>
+        </a:xfrm>
+      </p:grpSpPr>
       <p:sp>
         <p:nvSpPr>
           <p:cNvPr id="2" name="Title 1"/>
@@ -15220,12 +15193,12 @@
         <p:spPr/>
         <p:txBody>
           <a:bodyPr/>
+          <a:lstStyle/>
           <a:p>
             <a:r>
               <a:rPr lang="en-US"/>
               <a:t>Case-Shiller Index</a:t>
             </a:r>
-            <a:endParaRPr lang="en-US"/>
           </a:p>
         </p:txBody>
       </p:sp>
@@ -15238,7 +15211,7 @@
         <p:spPr>
           <a:xfrm>
             <a:off x="753745" y="2497455"/>
-            <a:ext cx="8773160" cy="3415030"/>
+            <a:ext cx="8773160" cy="3970318"/>
           </a:xfrm>
           <a:prstGeom prst="rect">
             <a:avLst/>
@@ -15249,43 +15222,203 @@
           <a:bodyPr wrap="square" rtlCol="0">
             <a:spAutoFit/>
           </a:bodyPr>
-          <a:p>
-            <a:r>
-              <a:rPr lang="en-US"/>
-              <a:t>Ideally, if we can track the price changes of each house every month, we can know the change of house prices.</a:t>
-            </a:r>
-            <a:endParaRPr lang="en-US"/>
-          </a:p>
-          <a:p>
-            <a:endParaRPr lang="en-US"/>
-          </a:p>
-          <a:p>
-            <a:r>
-              <a:rPr lang="en-US"/>
+          <a:lstStyle/>
+          <a:p>
+            <a:r>
+              <a:rPr lang="en-US" dirty="0"/>
+              <a:t>Ideally, we need to track home price changes of each house every month. </a:t>
+            </a:r>
+          </a:p>
+          <a:p>
+            <a:r>
+              <a:rPr lang="en-US" altLang="zh-CN" dirty="0">
+                <a:sym typeface="+mn-ea"/>
+              </a:rPr>
               <a:t>But there’s no way we will trade our house every month.</a:t>
             </a:r>
-            <a:endParaRPr lang="en-US"/>
-          </a:p>
-          <a:p>
-            <a:endParaRPr lang="en-US"/>
-          </a:p>
-          <a:p>
-            <a:r>
-              <a:rPr lang="en-US"/>
-              <a:t>Practically, we can do the following:</a:t>
-            </a:r>
-            <a:endParaRPr lang="en-US"/>
-          </a:p>
-          <a:p>
-            <a:r>
-              <a:rPr lang="en-US"/>
-              <a:t>Take zip code 90101 as an example, if in 2018/01 there were 1000 houses sold, get median sell price, for example, $600,000. 2018/02 there were 870 houses sold, get median sell price, for example, $620,000. Normally, the two prices would not reflectthe same housing price. Then the change of house price would be ($620,000 - $600,000) / $600,000 = $20,000 / $600,000 = 3.33%. This is value is widely used in mortage industry and also news reporting.</a:t>
-            </a:r>
-            <a:endParaRPr lang="en-US"/>
+          </a:p>
+          <a:p>
+            <a:endParaRPr lang="en-US" altLang="zh-CN" dirty="0">
+              <a:sym typeface="+mn-ea"/>
+            </a:endParaRPr>
+          </a:p>
+          <a:p>
+            <a:r>
+              <a:rPr lang="en-US" altLang="zh-CN" dirty="0">
+                <a:sym typeface="+mn-ea"/>
+              </a:rPr>
+              <a:t>Practically, we will do the following:</a:t>
+            </a:r>
+          </a:p>
+          <a:p>
+            <a:endParaRPr lang="en-US" altLang="zh-CN" dirty="0">
+              <a:sym typeface="+mn-ea"/>
+            </a:endParaRPr>
+          </a:p>
+          <a:p>
+            <a:r>
+              <a:rPr lang="en-US" altLang="zh-CN" dirty="0">
+                <a:sym typeface="+mn-ea"/>
+              </a:rPr>
+              <a:t>2018/01                                 2018/02                               2018/03</a:t>
+            </a:r>
+          </a:p>
+          <a:p>
+            <a:r>
+              <a:rPr lang="en-US" altLang="zh-CN" dirty="0">
+                <a:sym typeface="+mn-ea"/>
+              </a:rPr>
+              <a:t>1000 houses sold                  870 houses sold                 935 houses sold</a:t>
+            </a:r>
+          </a:p>
+          <a:p>
+            <a:r>
+              <a:rPr lang="en-US" altLang="zh-CN" dirty="0">
+                <a:sym typeface="+mn-ea"/>
+              </a:rPr>
+              <a:t>Get median sell price         Get median sell price       Get median sell price</a:t>
+            </a:r>
+          </a:p>
+          <a:p>
+            <a:r>
+              <a:rPr lang="en-US" altLang="zh-CN" dirty="0">
+                <a:sym typeface="+mn-ea"/>
+              </a:rPr>
+              <a:t>$600,000                                $620,000                              $610,000</a:t>
+            </a:r>
+          </a:p>
+          <a:p>
+            <a:endParaRPr lang="en-US" altLang="zh-CN" dirty="0">
+              <a:sym typeface="+mn-ea"/>
+            </a:endParaRPr>
+          </a:p>
+          <a:p>
+            <a:r>
+              <a:rPr lang="en-US" altLang="zh-CN" dirty="0"/>
+              <a:t>Then the change of house price would be ($620,000 - $600,000) / $600,000 = $20,000 / $600,000 = 3.33%. This is value is widely used in </a:t>
+            </a:r>
+            <a:r>
+              <a:rPr lang="en-US" altLang="zh-CN" dirty="0" err="1"/>
+              <a:t>mortage</a:t>
+            </a:r>
+            <a:r>
+              <a:rPr lang="en-US" altLang="zh-CN" dirty="0"/>
+              <a:t> industry and also news reporting.</a:t>
+            </a:r>
+          </a:p>
+          <a:p>
+            <a:endParaRPr lang="en-US" dirty="0"/>
           </a:p>
         </p:txBody>
       </p:sp>
     </p:spTree>
+  </p:cSld>
+  <p:clrMapOvr>
+    <a:masterClrMapping/>
+  </p:clrMapOvr>
+</p:sld>
+</file>
+
+<file path=ppt/slides/slide11.xml><?xml version="1.0" encoding="utf-8"?>
+<p:sld xmlns:a="http://schemas.openxmlformats.org/drawingml/2006/main" xmlns:r="http://schemas.openxmlformats.org/officeDocument/2006/relationships" xmlns:p="http://schemas.openxmlformats.org/presentationml/2006/main">
+  <p:cSld>
+    <p:spTree>
+      <p:nvGrpSpPr>
+        <p:cNvPr id="1" name=""/>
+        <p:cNvGrpSpPr/>
+        <p:nvPr/>
+      </p:nvGrpSpPr>
+      <p:grpSpPr>
+        <a:xfrm>
+          <a:off x="0" y="0"/>
+          <a:ext cx="0" cy="0"/>
+          <a:chOff x="0" y="0"/>
+          <a:chExt cx="0" cy="0"/>
+        </a:xfrm>
+      </p:grpSpPr>
+      <p:sp>
+        <p:nvSpPr>
+          <p:cNvPr id="2" name="Title 1"/>
+          <p:cNvSpPr>
+            <a:spLocks noGrp="1"/>
+          </p:cNvSpPr>
+          <p:nvPr>
+            <p:ph type="title"/>
+          </p:nvPr>
+        </p:nvSpPr>
+        <p:spPr/>
+        <p:txBody>
+          <a:bodyPr/>
+          <a:lstStyle/>
+          <a:p>
+            <a:r>
+              <a:rPr lang="en-US"/>
+              <a:t>Case-Shiller Index</a:t>
+            </a:r>
+          </a:p>
+        </p:txBody>
+      </p:sp>
+      <p:sp>
+        <p:nvSpPr>
+          <p:cNvPr id="3" name="Text Box 2"/>
+          <p:cNvSpPr txBox="1"/>
+          <p:nvPr/>
+        </p:nvSpPr>
+        <p:spPr>
+          <a:xfrm>
+            <a:off x="753745" y="2497455"/>
+            <a:ext cx="8773160" cy="2308324"/>
+          </a:xfrm>
+          <a:prstGeom prst="rect">
+            <a:avLst/>
+          </a:prstGeom>
+          <a:noFill/>
+        </p:spPr>
+        <p:txBody>
+          <a:bodyPr wrap="square" rtlCol="0">
+            <a:spAutoFit/>
+          </a:bodyPr>
+          <a:lstStyle/>
+          <a:p>
+            <a:r>
+              <a:rPr lang="en-US" dirty="0"/>
+              <a:t>One question, what if in 2018/02, most housing trades are from cheaper houses, and in 2018/03, most trades are from expensive houses?</a:t>
+            </a:r>
+          </a:p>
+          <a:p>
+            <a:endParaRPr lang="en-US" dirty="0"/>
+          </a:p>
+          <a:p>
+            <a:r>
+              <a:rPr lang="en-US" dirty="0"/>
+              <a:t>This could happen. And usually, we will compare this index in the same type of house.  Like we will calculate a case-</a:t>
+            </a:r>
+            <a:r>
+              <a:rPr lang="en-US" dirty="0" err="1"/>
+              <a:t>shiller</a:t>
+            </a:r>
+            <a:r>
+              <a:rPr lang="en-US" dirty="0"/>
+              <a:t> index in SFH.</a:t>
+            </a:r>
+          </a:p>
+          <a:p>
+            <a:endParaRPr lang="en-US" dirty="0"/>
+          </a:p>
+          <a:p>
+            <a:endParaRPr lang="en-US" dirty="0"/>
+          </a:p>
+          <a:p>
+            <a:endParaRPr lang="en-US" dirty="0"/>
+          </a:p>
+        </p:txBody>
+      </p:sp>
+    </p:spTree>
+    <p:extLst>
+      <p:ext uri="{BB962C8B-B14F-4D97-AF65-F5344CB8AC3E}">
+        <p14:creationId xmlns:p14="http://schemas.microsoft.com/office/powerpoint/2010/main" val="3273238055"/>
+      </p:ext>
+    </p:extLst>
   </p:cSld>
   <p:clrMapOvr>
     <a:masterClrMapping/>
@@ -15334,7 +15467,6 @@
               <a:rPr lang="en-US" dirty="0"/>
               <a:t>Purpose of the Study</a:t>
             </a:r>
-            <a:endParaRPr lang="en-US" dirty="0"/>
           </a:p>
         </p:txBody>
       </p:sp>
@@ -15387,10 +15519,6 @@
               </a:rPr>
               <a:t>will do the following:</a:t>
             </a:r>
-            <a:endParaRPr lang="en-US" sz="2400" dirty="0">
-              <a:latin typeface="Calibri" panose="020F0502020204030204" pitchFamily="34" charset="0"/>
-              <a:ea typeface="Times New Roman" panose="02020603050405020304" pitchFamily="18" charset="0"/>
-            </a:endParaRPr>
           </a:p>
           <a:p>
             <a:pPr marL="0" marR="0" indent="0">
@@ -15431,10 +15559,6 @@
               </a:rPr>
               <a:t>Impact of interest rate on mortgage originations?</a:t>
             </a:r>
-            <a:endParaRPr lang="en-US" sz="2400" dirty="0">
-              <a:latin typeface="Calibri" panose="020F0502020204030204" pitchFamily="34" charset="0"/>
-              <a:ea typeface="Times New Roman" panose="02020603050405020304" pitchFamily="18" charset="0"/>
-            </a:endParaRPr>
           </a:p>
           <a:p>
             <a:pPr marR="0">
@@ -15457,10 +15581,6 @@
               </a:rPr>
               <a:t>Impact of interest rate on home prices?</a:t>
             </a:r>
-            <a:endParaRPr lang="en-US" sz="2400" dirty="0">
-              <a:latin typeface="Calibri" panose="020F0502020204030204" pitchFamily="34" charset="0"/>
-              <a:ea typeface="Times New Roman" panose="02020603050405020304" pitchFamily="18" charset="0"/>
-            </a:endParaRPr>
           </a:p>
           <a:p>
             <a:pPr marR="0">
@@ -15483,10 +15603,6 @@
               </a:rPr>
               <a:t>Tracking home price changes in southern California for four years (2018/01 to 2021/12).  </a:t>
             </a:r>
-            <a:endParaRPr lang="en-US" sz="2400" dirty="0">
-              <a:latin typeface="Calibri" panose="020F0502020204030204" pitchFamily="34" charset="0"/>
-              <a:ea typeface="Times New Roman" panose="02020603050405020304" pitchFamily="18" charset="0"/>
-            </a:endParaRPr>
           </a:p>
         </p:txBody>
       </p:sp>
@@ -15539,7 +15655,6 @@
               <a:rPr lang="en-US" dirty="0"/>
               <a:t>Link to the file for the project</a:t>
             </a:r>
-            <a:endParaRPr lang="en-US" dirty="0"/>
           </a:p>
         </p:txBody>
       </p:sp>
@@ -15581,7 +15696,6 @@
               <a:rPr lang="en-US" sz="2400" dirty="0"/>
               <a:t>- Program 4.1 will process 55GB of data and requires a lot of computing power. </a:t>
             </a:r>
-            <a:endParaRPr lang="en-US" sz="2400" dirty="0"/>
           </a:p>
           <a:p>
             <a:pPr marL="0" marR="0" indent="0">
@@ -15623,7 +15737,6 @@
               <a:rPr lang="en-US" sz="2400" dirty="0"/>
               <a:t> Notebook, you can skip 4.1 and directly use 4.2 after downloading the zipped data from the following link: </a:t>
             </a:r>
-            <a:endParaRPr lang="en-US" sz="2400" dirty="0"/>
           </a:p>
           <a:p>
             <a:pPr marL="0" marR="0" indent="0">
@@ -15642,7 +15755,6 @@
               <a:rPr lang="en-US" sz="800" dirty="0"/>
               <a:t> </a:t>
             </a:r>
-            <a:endParaRPr lang="en-US" sz="800" dirty="0"/>
           </a:p>
           <a:p>
             <a:pPr marL="0" marR="0" indent="0">
@@ -15659,7 +15771,7 @@
             </a:pPr>
             <a:r>
               <a:rPr lang="en-US" sz="2400" dirty="0">
-                <a:hlinkClick r:id="rId1"/>
+                <a:hlinkClick r:id="rId2"/>
               </a:rPr>
               <a:t>https://1drv.ms/u/s!Amfo1lixPzv-j3d8Ft7z2lWyGMwq?e=vChMsW</a:t>
             </a:r>
@@ -15682,7 +15794,6 @@
               <a:rPr lang="en-US" sz="800" dirty="0"/>
               <a:t> </a:t>
             </a:r>
-            <a:endParaRPr lang="en-US" sz="800" dirty="0"/>
           </a:p>
           <a:p>
             <a:pPr marL="0" marR="0" indent="0">
@@ -15701,7 +15812,6 @@
               <a:rPr lang="en-US" sz="2000" dirty="0"/>
               <a:t>There are 18 files after you have unzipped it.  16 files are mortgage origination files from 2018/01 to 2021/12.</a:t>
             </a:r>
-            <a:endParaRPr lang="en-US" sz="2000" dirty="0"/>
           </a:p>
         </p:txBody>
       </p:sp>
@@ -15761,7 +15871,6 @@
               <a:rPr lang="en-US" sz="2800" dirty="0"/>
               <a:t>- Common property types in the US</a:t>
             </a:r>
-            <a:endParaRPr lang="en-US" sz="2800" dirty="0"/>
           </a:p>
         </p:txBody>
       </p:sp>
@@ -15776,7 +15885,7 @@
           </p:nvPr>
         </p:nvPicPr>
         <p:blipFill>
-          <a:blip r:embed="rId1">
+          <a:blip r:embed="rId2">
             <a:extLst>
               <a:ext uri="{28A0092B-C50C-407E-A947-70E740481C1C}">
                 <a14:useLocalDpi xmlns:a14="http://schemas.microsoft.com/office/drawing/2010/main" val="0"/>
@@ -15834,7 +15943,6 @@
               <a:rPr lang="en-US" dirty="0"/>
               <a:t>single family home</a:t>
             </a:r>
-            <a:endParaRPr lang="en-US" dirty="0"/>
           </a:p>
         </p:txBody>
       </p:sp>
@@ -15847,7 +15955,7 @@
           <p:nvPr/>
         </p:nvPicPr>
         <p:blipFill>
-          <a:blip r:embed="rId2">
+          <a:blip r:embed="rId3" cstate="print">
             <a:extLst>
               <a:ext uri="{28A0092B-C50C-407E-A947-70E740481C1C}">
                 <a14:useLocalDpi xmlns:a14="http://schemas.microsoft.com/office/drawing/2010/main" val="0"/>
@@ -15905,7 +16013,6 @@
               <a:rPr lang="en-US" dirty="0"/>
               <a:t>condo</a:t>
             </a:r>
-            <a:endParaRPr lang="en-US" dirty="0"/>
           </a:p>
         </p:txBody>
       </p:sp>
@@ -15943,7 +16050,6 @@
               <a:rPr lang="en-US" sz="1400" dirty="0"/>
               <a:t>planned unit development</a:t>
             </a:r>
-            <a:endParaRPr lang="en-US" sz="1400" dirty="0"/>
           </a:p>
         </p:txBody>
       </p:sp>
@@ -15977,14 +16083,12 @@
               <a:rPr lang="en-US" sz="1600" dirty="0"/>
               <a:t>Usually without a parking garage.</a:t>
             </a:r>
-            <a:endParaRPr lang="en-US" sz="1600" dirty="0"/>
           </a:p>
           <a:p>
             <a:r>
               <a:rPr lang="en-US" sz="1600" dirty="0"/>
               <a:t>Shared parking space with others. </a:t>
             </a:r>
-            <a:endParaRPr lang="en-US" sz="1600" dirty="0"/>
           </a:p>
         </p:txBody>
       </p:sp>
@@ -16014,14 +16118,12 @@
               <a:rPr lang="en-US" sz="1600" dirty="0"/>
               <a:t>- Townhome or detached condo</a:t>
             </a:r>
-            <a:endParaRPr lang="en-US" sz="1600" dirty="0"/>
           </a:p>
           <a:p>
             <a:r>
               <a:rPr lang="en-US" sz="1600" dirty="0"/>
               <a:t>- Usually with a parking garage</a:t>
             </a:r>
-            <a:endParaRPr lang="en-US" sz="1600" dirty="0"/>
           </a:p>
         </p:txBody>
       </p:sp>
@@ -16034,7 +16136,7 @@
           <p:nvPr/>
         </p:nvPicPr>
         <p:blipFill>
-          <a:blip r:embed="rId3">
+          <a:blip r:embed="rId4" cstate="print">
             <a:extLst>
               <a:ext uri="{28A0092B-C50C-407E-A947-70E740481C1C}">
                 <a14:useLocalDpi xmlns:a14="http://schemas.microsoft.com/office/drawing/2010/main" val="0"/>
@@ -16075,7 +16177,7 @@
           <p:nvPr/>
         </p:nvPicPr>
         <p:blipFill>
-          <a:blip r:embed="rId4">
+          <a:blip r:embed="rId5" cstate="print">
             <a:extLst>
               <a:ext uri="{28A0092B-C50C-407E-A947-70E740481C1C}">
                 <a14:useLocalDpi xmlns:a14="http://schemas.microsoft.com/office/drawing/2010/main" val="0"/>
@@ -16163,7 +16265,6 @@
               <a:rPr lang="en-US" sz="2800" dirty="0"/>
               <a:t>- Terms used to define loan performance</a:t>
             </a:r>
-            <a:endParaRPr lang="en-US" sz="2800" dirty="0"/>
           </a:p>
         </p:txBody>
       </p:sp>
@@ -16238,11 +16339,6 @@
               </a:rPr>
               <a:t>Delinquency</a:t>
             </a:r>
-            <a:endParaRPr lang="en-US" sz="2000" dirty="0">
-              <a:effectLst/>
-              <a:latin typeface="Calibri" panose="020F0502020204030204" pitchFamily="34" charset="0"/>
-              <a:ea typeface="Times New Roman" panose="02020603050405020304" pitchFamily="18" charset="0"/>
-            </a:endParaRPr>
           </a:p>
           <a:p>
             <a:pPr lvl="1">
@@ -16262,10 +16358,6 @@
               </a:rPr>
               <a:t>Bucket 1: 30-day past due</a:t>
             </a:r>
-            <a:endParaRPr lang="en-US" sz="1800" dirty="0">
-              <a:latin typeface="Calibri" panose="020F0502020204030204" pitchFamily="34" charset="0"/>
-              <a:ea typeface="Times New Roman" panose="02020603050405020304" pitchFamily="18" charset="0"/>
-            </a:endParaRPr>
           </a:p>
           <a:p>
             <a:pPr lvl="1">
@@ -16286,11 +16378,6 @@
               </a:rPr>
               <a:t>Bucket 2: 60-day past due</a:t>
             </a:r>
-            <a:endParaRPr lang="en-US" sz="1800" dirty="0">
-              <a:effectLst/>
-              <a:latin typeface="Calibri" panose="020F0502020204030204" pitchFamily="34" charset="0"/>
-              <a:ea typeface="Times New Roman" panose="02020603050405020304" pitchFamily="18" charset="0"/>
-            </a:endParaRPr>
           </a:p>
           <a:p>
             <a:pPr lvl="1">
@@ -16310,10 +16397,6 @@
               </a:rPr>
               <a:t>……</a:t>
             </a:r>
-            <a:endParaRPr lang="en-US" sz="1800" dirty="0">
-              <a:latin typeface="Calibri" panose="020F0502020204030204" pitchFamily="34" charset="0"/>
-              <a:ea typeface="Times New Roman" panose="02020603050405020304" pitchFamily="18" charset="0"/>
-            </a:endParaRPr>
           </a:p>
           <a:p>
             <a:pPr lvl="1">
@@ -16369,10 +16452,6 @@
               </a:rPr>
               <a:t>bank) seizes the property for repossession.  That is, the borrower loses the house.</a:t>
             </a:r>
-            <a:endParaRPr lang="en-US" sz="2000" dirty="0">
-              <a:latin typeface="Calibri" panose="020F0502020204030204" pitchFamily="34" charset="0"/>
-              <a:ea typeface="Times New Roman" panose="02020603050405020304" pitchFamily="18" charset="0"/>
-            </a:endParaRPr>
           </a:p>
           <a:p>
             <a:pPr marR="0">
@@ -16414,10 +16493,6 @@
               </a:rPr>
               <a:t>Forbearance: When a borrower encounters some financial stress, he/she negotiates with the borrower for a more lenient term (lower interest rate, pause of payments for some months, temporary paying for interest only, short sale, etc.)</a:t>
             </a:r>
-            <a:endParaRPr lang="en-US" sz="2000" dirty="0">
-              <a:latin typeface="Calibri" panose="020F0502020204030204" pitchFamily="34" charset="0"/>
-              <a:ea typeface="Times New Roman" panose="02020603050405020304" pitchFamily="18" charset="0"/>
-            </a:endParaRPr>
           </a:p>
           <a:p>
             <a:pPr marL="0" marR="0" indent="0">
@@ -16699,7 +16774,6 @@
               <a:rPr lang="en-US" sz="1600" dirty="0"/>
               <a:t>Also used for credit card, car loans, student loans, car loans and personal loans</a:t>
             </a:r>
-            <a:endParaRPr lang="en-US" sz="1600" dirty="0"/>
           </a:p>
         </p:txBody>
       </p:sp>
@@ -16759,7 +16833,6 @@
               <a:rPr lang="en-US" sz="2800" dirty="0"/>
               <a:t>- Factors used in considering a loan application</a:t>
             </a:r>
-            <a:endParaRPr lang="en-US" sz="2800" dirty="0"/>
           </a:p>
         </p:txBody>
       </p:sp>
@@ -16834,11 +16907,6 @@
               </a:rPr>
               <a:t>Loan Purpose</a:t>
             </a:r>
-            <a:endParaRPr lang="en-US" sz="2000" dirty="0">
-              <a:effectLst/>
-              <a:latin typeface="Calibri" panose="020F0502020204030204" pitchFamily="34" charset="0"/>
-              <a:ea typeface="Times New Roman" panose="02020603050405020304" pitchFamily="18" charset="0"/>
-            </a:endParaRPr>
           </a:p>
           <a:p>
             <a:pPr lvl="1">
@@ -16894,10 +16962,6 @@
               </a:rPr>
               <a:t>Relocation to a new place</a:t>
             </a:r>
-            <a:endParaRPr lang="en-US" sz="1200" dirty="0">
-              <a:latin typeface="Calibri" panose="020F0502020204030204" pitchFamily="34" charset="0"/>
-              <a:ea typeface="Times New Roman" panose="02020603050405020304" pitchFamily="18" charset="0"/>
-            </a:endParaRPr>
           </a:p>
           <a:p>
             <a:pPr marL="457200" lvl="1" indent="0">
@@ -16916,10 +16980,6 @@
               </a:rPr>
               <a:t>	Getting married</a:t>
             </a:r>
-            <a:endParaRPr lang="en-US" sz="1200" dirty="0">
-              <a:latin typeface="Calibri" panose="020F0502020204030204" pitchFamily="34" charset="0"/>
-              <a:ea typeface="Times New Roman" panose="02020603050405020304" pitchFamily="18" charset="0"/>
-            </a:endParaRPr>
           </a:p>
           <a:p>
             <a:pPr lvl="1">
@@ -16947,10 +17007,6 @@
               </a:rPr>
               <a:t>refinance (very sensitive to interest rate)</a:t>
             </a:r>
-            <a:endParaRPr lang="en-US" sz="1400" dirty="0">
-              <a:latin typeface="Calibri" panose="020F0502020204030204" pitchFamily="34" charset="0"/>
-              <a:ea typeface="Times New Roman" panose="02020603050405020304" pitchFamily="18" charset="0"/>
-            </a:endParaRPr>
           </a:p>
           <a:p>
             <a:pPr marL="457200" lvl="1" indent="0">
@@ -17015,11 +17071,6 @@
               </a:rPr>
               <a:t>sensitive to interest rate)</a:t>
             </a:r>
-            <a:endParaRPr lang="en-US" sz="1400" dirty="0">
-              <a:effectLst/>
-              <a:latin typeface="Calibri" panose="020F0502020204030204" pitchFamily="34" charset="0"/>
-              <a:ea typeface="Times New Roman" panose="02020603050405020304" pitchFamily="18" charset="0"/>
-            </a:endParaRPr>
           </a:p>
           <a:p>
             <a:pPr marL="457200" lvl="1" indent="0">
@@ -17045,10 +17096,6 @@
               </a:rPr>
               <a:t>Example: A house of $1mm with $600 in unpaid principal (loan amount).</a:t>
             </a:r>
-            <a:endParaRPr lang="en-US" sz="1200" dirty="0">
-              <a:latin typeface="Calibri" panose="020F0502020204030204" pitchFamily="34" charset="0"/>
-              <a:ea typeface="Times New Roman" panose="02020603050405020304" pitchFamily="18" charset="0"/>
-            </a:endParaRPr>
           </a:p>
           <a:p>
             <a:pPr marL="457200" lvl="1" indent="0">
@@ -17068,11 +17115,6 @@
               </a:rPr>
               <a:t>		    The borrower can get $50K from the bank to finance remodeling.</a:t>
             </a:r>
-            <a:endParaRPr lang="en-US" sz="1200" dirty="0">
-              <a:effectLst/>
-              <a:latin typeface="Calibri" panose="020F0502020204030204" pitchFamily="34" charset="0"/>
-              <a:ea typeface="Times New Roman" panose="02020603050405020304" pitchFamily="18" charset="0"/>
-            </a:endParaRPr>
           </a:p>
           <a:p>
             <a:pPr marL="457200" lvl="1" indent="0">
@@ -17119,11 +17161,6 @@
               </a:rPr>
               <a:t>Interest only loans (no payment for principal)</a:t>
             </a:r>
-            <a:endParaRPr lang="en-US" sz="2000" dirty="0">
-              <a:effectLst/>
-              <a:latin typeface="Calibri" panose="020F0502020204030204" pitchFamily="34" charset="0"/>
-              <a:ea typeface="Times New Roman" panose="02020603050405020304" pitchFamily="18" charset="0"/>
-            </a:endParaRPr>
           </a:p>
           <a:p>
             <a:pPr marR="0">
@@ -17146,10 +17183,6 @@
               </a:rPr>
               <a:t>LTV (loan-to-value ratio)  &lt;= 80%</a:t>
             </a:r>
-            <a:endParaRPr lang="en-US" sz="2000" dirty="0">
-              <a:latin typeface="Calibri" panose="020F0502020204030204" pitchFamily="34" charset="0"/>
-              <a:ea typeface="Times New Roman" panose="02020603050405020304" pitchFamily="18" charset="0"/>
-            </a:endParaRPr>
           </a:p>
           <a:p>
             <a:pPr marL="0" marR="0" indent="0">
@@ -17178,10 +17211,6 @@
               </a:rPr>
               <a:t>LTV=loan amount / house selling value</a:t>
             </a:r>
-            <a:endParaRPr lang="en-US" sz="1400" dirty="0">
-              <a:latin typeface="Calibri" panose="020F0502020204030204" pitchFamily="34" charset="0"/>
-              <a:ea typeface="Times New Roman" panose="02020603050405020304" pitchFamily="18" charset="0"/>
-            </a:endParaRPr>
           </a:p>
           <a:p>
             <a:pPr marR="0">
@@ -17204,10 +17233,6 @@
               </a:rPr>
               <a:t>DTI (debt-to-income ratio) &lt;= 42%</a:t>
             </a:r>
-            <a:endParaRPr lang="en-US" sz="2000" dirty="0">
-              <a:latin typeface="Calibri" panose="020F0502020204030204" pitchFamily="34" charset="0"/>
-              <a:ea typeface="Times New Roman" panose="02020603050405020304" pitchFamily="18" charset="0"/>
-            </a:endParaRPr>
           </a:p>
           <a:p>
             <a:pPr marL="0" marR="0" indent="0">
@@ -17238,11 +17263,6 @@
               </a:rPr>
               <a:t>DTI=debt payment /Income (pre tax income)</a:t>
             </a:r>
-            <a:endParaRPr lang="en-US" sz="1600" dirty="0">
-              <a:effectLst/>
-              <a:latin typeface="Calibri" panose="020F0502020204030204" pitchFamily="34" charset="0"/>
-              <a:ea typeface="Times New Roman" panose="02020603050405020304" pitchFamily="18" charset="0"/>
-            </a:endParaRPr>
           </a:p>
         </p:txBody>
       </p:sp>
@@ -17255,7 +17275,7 @@
           <p:nvPr/>
         </p:nvPicPr>
         <p:blipFill>
-          <a:blip r:embed="rId1">
+          <a:blip r:embed="rId2">
             <a:extLst>
               <a:ext uri="{28A0092B-C50C-407E-A947-70E740481C1C}">
                 <a14:useLocalDpi xmlns:a14="http://schemas.microsoft.com/office/drawing/2010/main" val="0"/>
@@ -17349,7 +17369,7 @@
           <p:nvPr/>
         </p:nvPicPr>
         <p:blipFill>
-          <a:blip r:embed="rId1">
+          <a:blip r:embed="rId2">
             <a:extLst>
               <a:ext uri="{28A0092B-C50C-407E-A947-70E740481C1C}">
                 <a14:useLocalDpi xmlns:a14="http://schemas.microsoft.com/office/drawing/2010/main" val="0"/>
@@ -17437,7 +17457,6 @@
               <a:rPr lang="en-US" sz="2000" dirty="0"/>
               <a:t>FICO and loan performance</a:t>
             </a:r>
-            <a:endParaRPr lang="en-US" sz="2000" dirty="0"/>
           </a:p>
         </p:txBody>
       </p:sp>
@@ -17450,7 +17469,7 @@
           <p:nvPr/>
         </p:nvPicPr>
         <p:blipFill>
-          <a:blip r:embed="rId1">
+          <a:blip r:embed="rId2">
             <a:extLst>
               <a:ext uri="{28A0092B-C50C-407E-A947-70E740481C1C}">
                 <a14:useLocalDpi xmlns:a14="http://schemas.microsoft.com/office/drawing/2010/main" val="0"/>
@@ -17491,7 +17510,7 @@
           <p:nvPr/>
         </p:nvPicPr>
         <p:blipFill>
-          <a:blip r:embed="rId2">
+          <a:blip r:embed="rId3">
             <a:extLst>
               <a:ext uri="{28A0092B-C50C-407E-A947-70E740481C1C}">
                 <a14:useLocalDpi xmlns:a14="http://schemas.microsoft.com/office/drawing/2010/main" val="0"/>
@@ -17532,7 +17551,7 @@
           <p:nvPr/>
         </p:nvPicPr>
         <p:blipFill>
-          <a:blip r:embed="rId3">
+          <a:blip r:embed="rId4">
             <a:extLst>
               <a:ext uri="{28A0092B-C50C-407E-A947-70E740481C1C}">
                 <a14:useLocalDpi xmlns:a14="http://schemas.microsoft.com/office/drawing/2010/main" val="0"/>
@@ -17629,7 +17648,7 @@
           <p:nvPr/>
         </p:nvPicPr>
         <p:blipFill>
-          <a:blip r:embed="rId1">
+          <a:blip r:embed="rId2">
             <a:extLst>
               <a:ext uri="{28A0092B-C50C-407E-A947-70E740481C1C}">
                 <a14:useLocalDpi xmlns:a14="http://schemas.microsoft.com/office/drawing/2010/main" val="0"/>
@@ -17687,7 +17706,6 @@
               <a:rPr lang="en-US" dirty="0"/>
               <a:t>Each data point on the graph is labeled by the first 3 digits of the zip codes in southern California. </a:t>
             </a:r>
-            <a:endParaRPr lang="en-US" dirty="0"/>
           </a:p>
         </p:txBody>
       </p:sp>
@@ -17697,6 +17715,13 @@
     <a:masterClrMapping/>
   </p:clrMapOvr>
 </p:sld>
+</file>
+
+<file path=ppt/tags/tag1.xml><?xml version="1.0" encoding="utf-8"?>
+<p:tagLst xmlns:a="http://schemas.openxmlformats.org/drawingml/2006/main" xmlns:r="http://schemas.openxmlformats.org/officeDocument/2006/relationships" xmlns:p="http://schemas.openxmlformats.org/presentationml/2006/main">
+  <p:tag name="KSO_WPP_MARK_KEY" val="9356c219-da00-449e-96d8-32a13f24a165"/>
+  <p:tag name="COMMONDATA" val="eyJoZGlkIjoiZTJmYTc5MWZhZjI5YTBlMGMxYzg3MDdkZTY5ODFjMWQifQ=="/>
+</p:tagLst>
 </file>
 
 <file path=ppt/theme/theme1.xml><?xml version="1.0" encoding="utf-8"?>
@@ -17955,6 +17980,8 @@
       </a:bgFillStyleLst>
     </a:fmtScheme>
   </a:themeElements>
+  <a:objectDefaults/>
+  <a:extraClrSchemeLst/>
   <a:extLst>
     <a:ext uri="{05A4C25C-085E-4340-85A3-A5531E510DB2}">
       <thm15:themeFamily xmlns:thm15="http://schemas.microsoft.com/office/thememl/2012/main" name="Office Theme" id="{62F939B6-93AF-4DB8-9C6B-D6C7DFDC589F}" vid="{4A3C46E8-61CC-4603-A589-7422A47A8E4A}"/>
